--- a/RNN网络结构示例.pptx
+++ b/RNN网络结构示例.pptx
@@ -4,9 +4,13 @@
   <p:sldMasterIdLst>
     <p:sldMasterId id="2147483648" r:id="rId1"/>
   </p:sldMasterIdLst>
+  <p:notesMasterIdLst>
+    <p:notesMasterId r:id="rId5"/>
+  </p:notesMasterIdLst>
   <p:sldIdLst>
     <p:sldId id="256" r:id="rId2"/>
     <p:sldId id="257" r:id="rId3"/>
+    <p:sldId id="258" r:id="rId4"/>
   </p:sldIdLst>
   <p:sldSz cx="12192000" cy="6858000"/>
   <p:notesSz cx="6858000" cy="9144000"/>
@@ -105,7 +109,446 @@
       </a:defRPr>
     </a:lvl9pPr>
   </p:defaultTextStyle>
+  <p:extLst>
+    <p:ext uri="{EFAFB233-063F-42B5-8137-9DF3F51BA10A}">
+      <p15:sldGuideLst xmlns:p15="http://schemas.microsoft.com/office/powerpoint/2012/main"/>
+    </p:ext>
+  </p:extLst>
 </p:presentation>
+</file>
+
+<file path=ppt/notesMasters/notesMaster1.xml><?xml version="1.0" encoding="utf-8"?>
+<p:notesMaster xmlns:a="http://schemas.openxmlformats.org/drawingml/2006/main" xmlns:r="http://schemas.openxmlformats.org/officeDocument/2006/relationships" xmlns:p="http://schemas.openxmlformats.org/presentationml/2006/main">
+  <p:cSld>
+    <p:bg>
+      <p:bgRef idx="1001">
+        <a:schemeClr val="bg1"/>
+      </p:bgRef>
+    </p:bg>
+    <p:spTree>
+      <p:nvGrpSpPr>
+        <p:cNvPr id="1" name=""/>
+        <p:cNvGrpSpPr/>
+        <p:nvPr/>
+      </p:nvGrpSpPr>
+      <p:grpSpPr>
+        <a:xfrm>
+          <a:off x="0" y="0"/>
+          <a:ext cx="0" cy="0"/>
+          <a:chOff x="0" y="0"/>
+          <a:chExt cx="0" cy="0"/>
+        </a:xfrm>
+      </p:grpSpPr>
+      <p:sp>
+        <p:nvSpPr>
+          <p:cNvPr id="2" name="页眉占位符 1"/>
+          <p:cNvSpPr>
+            <a:spLocks noGrp="1"/>
+          </p:cNvSpPr>
+          <p:nvPr>
+            <p:ph type="hdr" sz="quarter"/>
+          </p:nvPr>
+        </p:nvSpPr>
+        <p:spPr>
+          <a:xfrm>
+            <a:off x="0" y="0"/>
+            <a:ext cx="2971800" cy="458788"/>
+          </a:xfrm>
+          <a:prstGeom prst="rect">
+            <a:avLst/>
+          </a:prstGeom>
+        </p:spPr>
+        <p:txBody>
+          <a:bodyPr vert="horz" lIns="91440" tIns="45720" rIns="91440" bIns="45720" rtlCol="0"/>
+          <a:lstStyle>
+            <a:lvl1pPr algn="l">
+              <a:defRPr sz="1200"/>
+            </a:lvl1pPr>
+          </a:lstStyle>
+          <a:p>
+            <a:endParaRPr lang="zh-CN" altLang="en-US"/>
+          </a:p>
+        </p:txBody>
+      </p:sp>
+      <p:sp>
+        <p:nvSpPr>
+          <p:cNvPr id="3" name="日期占位符 2"/>
+          <p:cNvSpPr>
+            <a:spLocks noGrp="1"/>
+          </p:cNvSpPr>
+          <p:nvPr>
+            <p:ph type="dt" idx="1"/>
+          </p:nvPr>
+        </p:nvSpPr>
+        <p:spPr>
+          <a:xfrm>
+            <a:off x="3884613" y="0"/>
+            <a:ext cx="2971800" cy="458788"/>
+          </a:xfrm>
+          <a:prstGeom prst="rect">
+            <a:avLst/>
+          </a:prstGeom>
+        </p:spPr>
+        <p:txBody>
+          <a:bodyPr vert="horz" lIns="91440" tIns="45720" rIns="91440" bIns="45720" rtlCol="0"/>
+          <a:lstStyle>
+            <a:lvl1pPr algn="r">
+              <a:defRPr sz="1200"/>
+            </a:lvl1pPr>
+          </a:lstStyle>
+          <a:p>
+            <a:fld id="{55930555-BEF3-45EC-8211-93EC7D2D7F7D}" type="datetimeFigureOut">
+              <a:rPr lang="zh-CN" altLang="en-US" smtClean="0"/>
+              <a:t>2023/5/5</a:t>
+            </a:fld>
+            <a:endParaRPr lang="zh-CN" altLang="en-US"/>
+          </a:p>
+        </p:txBody>
+      </p:sp>
+      <p:sp>
+        <p:nvSpPr>
+          <p:cNvPr id="4" name="幻灯片图像占位符 3"/>
+          <p:cNvSpPr>
+            <a:spLocks noGrp="1" noRot="1" noChangeAspect="1"/>
+          </p:cNvSpPr>
+          <p:nvPr>
+            <p:ph type="sldImg" idx="2"/>
+          </p:nvPr>
+        </p:nvSpPr>
+        <p:spPr>
+          <a:xfrm>
+            <a:off x="685800" y="1143000"/>
+            <a:ext cx="5486400" cy="3086100"/>
+          </a:xfrm>
+          <a:prstGeom prst="rect">
+            <a:avLst/>
+          </a:prstGeom>
+          <a:noFill/>
+          <a:ln w="12700">
+            <a:solidFill>
+              <a:prstClr val="black"/>
+            </a:solidFill>
+          </a:ln>
+        </p:spPr>
+        <p:txBody>
+          <a:bodyPr vert="horz" lIns="91440" tIns="45720" rIns="91440" bIns="45720" rtlCol="0" anchor="ctr"/>
+          <a:lstStyle/>
+          <a:p>
+            <a:endParaRPr lang="zh-CN" altLang="en-US"/>
+          </a:p>
+        </p:txBody>
+      </p:sp>
+      <p:sp>
+        <p:nvSpPr>
+          <p:cNvPr id="5" name="备注占位符 4"/>
+          <p:cNvSpPr>
+            <a:spLocks noGrp="1"/>
+          </p:cNvSpPr>
+          <p:nvPr>
+            <p:ph type="body" sz="quarter" idx="3"/>
+          </p:nvPr>
+        </p:nvSpPr>
+        <p:spPr>
+          <a:xfrm>
+            <a:off x="685800" y="4400550"/>
+            <a:ext cx="5486400" cy="3600450"/>
+          </a:xfrm>
+          <a:prstGeom prst="rect">
+            <a:avLst/>
+          </a:prstGeom>
+        </p:spPr>
+        <p:txBody>
+          <a:bodyPr vert="horz" lIns="91440" tIns="45720" rIns="91440" bIns="45720" rtlCol="0"/>
+          <a:lstStyle/>
+          <a:p>
+            <a:pPr lvl="0"/>
+            <a:r>
+              <a:rPr lang="zh-CN" altLang="en-US" smtClean="0"/>
+              <a:t>单击此处编辑母版文本样式</a:t>
+            </a:r>
+          </a:p>
+          <a:p>
+            <a:pPr lvl="1"/>
+            <a:r>
+              <a:rPr lang="zh-CN" altLang="en-US" smtClean="0"/>
+              <a:t>第二级</a:t>
+            </a:r>
+          </a:p>
+          <a:p>
+            <a:pPr lvl="2"/>
+            <a:r>
+              <a:rPr lang="zh-CN" altLang="en-US" smtClean="0"/>
+              <a:t>第三级</a:t>
+            </a:r>
+          </a:p>
+          <a:p>
+            <a:pPr lvl="3"/>
+            <a:r>
+              <a:rPr lang="zh-CN" altLang="en-US" smtClean="0"/>
+              <a:t>第四级</a:t>
+            </a:r>
+          </a:p>
+          <a:p>
+            <a:pPr lvl="4"/>
+            <a:r>
+              <a:rPr lang="zh-CN" altLang="en-US" smtClean="0"/>
+              <a:t>第五级</a:t>
+            </a:r>
+            <a:endParaRPr lang="zh-CN" altLang="en-US"/>
+          </a:p>
+        </p:txBody>
+      </p:sp>
+      <p:sp>
+        <p:nvSpPr>
+          <p:cNvPr id="6" name="页脚占位符 5"/>
+          <p:cNvSpPr>
+            <a:spLocks noGrp="1"/>
+          </p:cNvSpPr>
+          <p:nvPr>
+            <p:ph type="ftr" sz="quarter" idx="4"/>
+          </p:nvPr>
+        </p:nvSpPr>
+        <p:spPr>
+          <a:xfrm>
+            <a:off x="0" y="8685213"/>
+            <a:ext cx="2971800" cy="458787"/>
+          </a:xfrm>
+          <a:prstGeom prst="rect">
+            <a:avLst/>
+          </a:prstGeom>
+        </p:spPr>
+        <p:txBody>
+          <a:bodyPr vert="horz" lIns="91440" tIns="45720" rIns="91440" bIns="45720" rtlCol="0" anchor="b"/>
+          <a:lstStyle>
+            <a:lvl1pPr algn="l">
+              <a:defRPr sz="1200"/>
+            </a:lvl1pPr>
+          </a:lstStyle>
+          <a:p>
+            <a:endParaRPr lang="zh-CN" altLang="en-US"/>
+          </a:p>
+        </p:txBody>
+      </p:sp>
+      <p:sp>
+        <p:nvSpPr>
+          <p:cNvPr id="7" name="灯片编号占位符 6"/>
+          <p:cNvSpPr>
+            <a:spLocks noGrp="1"/>
+          </p:cNvSpPr>
+          <p:nvPr>
+            <p:ph type="sldNum" sz="quarter" idx="5"/>
+          </p:nvPr>
+        </p:nvSpPr>
+        <p:spPr>
+          <a:xfrm>
+            <a:off x="3884613" y="8685213"/>
+            <a:ext cx="2971800" cy="458787"/>
+          </a:xfrm>
+          <a:prstGeom prst="rect">
+            <a:avLst/>
+          </a:prstGeom>
+        </p:spPr>
+        <p:txBody>
+          <a:bodyPr vert="horz" lIns="91440" tIns="45720" rIns="91440" bIns="45720" rtlCol="0" anchor="b"/>
+          <a:lstStyle>
+            <a:lvl1pPr algn="r">
+              <a:defRPr sz="1200"/>
+            </a:lvl1pPr>
+          </a:lstStyle>
+          <a:p>
+            <a:fld id="{7DA44F2C-197A-4DCC-989F-80F56AC7386E}" type="slidenum">
+              <a:rPr lang="zh-CN" altLang="en-US" smtClean="0"/>
+              <a:t>‹#›</a:t>
+            </a:fld>
+            <a:endParaRPr lang="zh-CN" altLang="en-US"/>
+          </a:p>
+        </p:txBody>
+      </p:sp>
+    </p:spTree>
+    <p:extLst>
+      <p:ext uri="{BB962C8B-B14F-4D97-AF65-F5344CB8AC3E}">
+        <p14:creationId xmlns:p14="http://schemas.microsoft.com/office/powerpoint/2010/main" val="2766652786"/>
+      </p:ext>
+    </p:extLst>
+  </p:cSld>
+  <p:clrMap bg1="lt1" tx1="dk1" bg2="lt2" tx2="dk2" accent1="accent1" accent2="accent2" accent3="accent3" accent4="accent4" accent5="accent5" accent6="accent6" hlink="hlink" folHlink="folHlink"/>
+  <p:notesStyle>
+    <a:lvl1pPr marL="0" algn="l" defTabSz="914400" rtl="0" eaLnBrk="1" latinLnBrk="0" hangingPunct="1">
+      <a:defRPr sz="1200" kern="1200">
+        <a:solidFill>
+          <a:schemeClr val="tx1"/>
+        </a:solidFill>
+        <a:latin typeface="+mn-lt"/>
+        <a:ea typeface="+mn-ea"/>
+        <a:cs typeface="+mn-cs"/>
+      </a:defRPr>
+    </a:lvl1pPr>
+    <a:lvl2pPr marL="457200" algn="l" defTabSz="914400" rtl="0" eaLnBrk="1" latinLnBrk="0" hangingPunct="1">
+      <a:defRPr sz="1200" kern="1200">
+        <a:solidFill>
+          <a:schemeClr val="tx1"/>
+        </a:solidFill>
+        <a:latin typeface="+mn-lt"/>
+        <a:ea typeface="+mn-ea"/>
+        <a:cs typeface="+mn-cs"/>
+      </a:defRPr>
+    </a:lvl2pPr>
+    <a:lvl3pPr marL="914400" algn="l" defTabSz="914400" rtl="0" eaLnBrk="1" latinLnBrk="0" hangingPunct="1">
+      <a:defRPr sz="1200" kern="1200">
+        <a:solidFill>
+          <a:schemeClr val="tx1"/>
+        </a:solidFill>
+        <a:latin typeface="+mn-lt"/>
+        <a:ea typeface="+mn-ea"/>
+        <a:cs typeface="+mn-cs"/>
+      </a:defRPr>
+    </a:lvl3pPr>
+    <a:lvl4pPr marL="1371600" algn="l" defTabSz="914400" rtl="0" eaLnBrk="1" latinLnBrk="0" hangingPunct="1">
+      <a:defRPr sz="1200" kern="1200">
+        <a:solidFill>
+          <a:schemeClr val="tx1"/>
+        </a:solidFill>
+        <a:latin typeface="+mn-lt"/>
+        <a:ea typeface="+mn-ea"/>
+        <a:cs typeface="+mn-cs"/>
+      </a:defRPr>
+    </a:lvl4pPr>
+    <a:lvl5pPr marL="1828800" algn="l" defTabSz="914400" rtl="0" eaLnBrk="1" latinLnBrk="0" hangingPunct="1">
+      <a:defRPr sz="1200" kern="1200">
+        <a:solidFill>
+          <a:schemeClr val="tx1"/>
+        </a:solidFill>
+        <a:latin typeface="+mn-lt"/>
+        <a:ea typeface="+mn-ea"/>
+        <a:cs typeface="+mn-cs"/>
+      </a:defRPr>
+    </a:lvl5pPr>
+    <a:lvl6pPr marL="2286000" algn="l" defTabSz="914400" rtl="0" eaLnBrk="1" latinLnBrk="0" hangingPunct="1">
+      <a:defRPr sz="1200" kern="1200">
+        <a:solidFill>
+          <a:schemeClr val="tx1"/>
+        </a:solidFill>
+        <a:latin typeface="+mn-lt"/>
+        <a:ea typeface="+mn-ea"/>
+        <a:cs typeface="+mn-cs"/>
+      </a:defRPr>
+    </a:lvl6pPr>
+    <a:lvl7pPr marL="2743200" algn="l" defTabSz="914400" rtl="0" eaLnBrk="1" latinLnBrk="0" hangingPunct="1">
+      <a:defRPr sz="1200" kern="1200">
+        <a:solidFill>
+          <a:schemeClr val="tx1"/>
+        </a:solidFill>
+        <a:latin typeface="+mn-lt"/>
+        <a:ea typeface="+mn-ea"/>
+        <a:cs typeface="+mn-cs"/>
+      </a:defRPr>
+    </a:lvl7pPr>
+    <a:lvl8pPr marL="3200400" algn="l" defTabSz="914400" rtl="0" eaLnBrk="1" latinLnBrk="0" hangingPunct="1">
+      <a:defRPr sz="1200" kern="1200">
+        <a:solidFill>
+          <a:schemeClr val="tx1"/>
+        </a:solidFill>
+        <a:latin typeface="+mn-lt"/>
+        <a:ea typeface="+mn-ea"/>
+        <a:cs typeface="+mn-cs"/>
+      </a:defRPr>
+    </a:lvl8pPr>
+    <a:lvl9pPr marL="3657600" algn="l" defTabSz="914400" rtl="0" eaLnBrk="1" latinLnBrk="0" hangingPunct="1">
+      <a:defRPr sz="1200" kern="1200">
+        <a:solidFill>
+          <a:schemeClr val="tx1"/>
+        </a:solidFill>
+        <a:latin typeface="+mn-lt"/>
+        <a:ea typeface="+mn-ea"/>
+        <a:cs typeface="+mn-cs"/>
+      </a:defRPr>
+    </a:lvl9pPr>
+  </p:notesStyle>
+</p:notesMaster>
+</file>
+
+<file path=ppt/notesSlides/notesSlide1.xml><?xml version="1.0" encoding="utf-8"?>
+<p:notes xmlns:a="http://schemas.openxmlformats.org/drawingml/2006/main" xmlns:r="http://schemas.openxmlformats.org/officeDocument/2006/relationships" xmlns:p="http://schemas.openxmlformats.org/presentationml/2006/main">
+  <p:cSld>
+    <p:spTree>
+      <p:nvGrpSpPr>
+        <p:cNvPr id="1" name=""/>
+        <p:cNvGrpSpPr/>
+        <p:nvPr/>
+      </p:nvGrpSpPr>
+      <p:grpSpPr>
+        <a:xfrm>
+          <a:off x="0" y="0"/>
+          <a:ext cx="0" cy="0"/>
+          <a:chOff x="0" y="0"/>
+          <a:chExt cx="0" cy="0"/>
+        </a:xfrm>
+      </p:grpSpPr>
+      <p:sp>
+        <p:nvSpPr>
+          <p:cNvPr id="2" name="幻灯片图像占位符 1"/>
+          <p:cNvSpPr>
+            <a:spLocks noGrp="1" noRot="1" noChangeAspect="1"/>
+          </p:cNvSpPr>
+          <p:nvPr>
+            <p:ph type="sldImg"/>
+          </p:nvPr>
+        </p:nvSpPr>
+        <p:spPr/>
+      </p:sp>
+      <p:sp>
+        <p:nvSpPr>
+          <p:cNvPr id="3" name="备注占位符 2"/>
+          <p:cNvSpPr>
+            <a:spLocks noGrp="1"/>
+          </p:cNvSpPr>
+          <p:nvPr>
+            <p:ph type="body" idx="1"/>
+          </p:nvPr>
+        </p:nvSpPr>
+        <p:spPr/>
+        <p:txBody>
+          <a:bodyPr/>
+          <a:lstStyle/>
+          <a:p>
+            <a:endParaRPr lang="zh-CN" altLang="en-US"/>
+          </a:p>
+        </p:txBody>
+      </p:sp>
+      <p:sp>
+        <p:nvSpPr>
+          <p:cNvPr id="4" name="灯片编号占位符 3"/>
+          <p:cNvSpPr>
+            <a:spLocks noGrp="1"/>
+          </p:cNvSpPr>
+          <p:nvPr>
+            <p:ph type="sldNum" sz="quarter" idx="10"/>
+          </p:nvPr>
+        </p:nvSpPr>
+        <p:spPr/>
+        <p:txBody>
+          <a:bodyPr/>
+          <a:lstStyle/>
+          <a:p>
+            <a:fld id="{7DA44F2C-197A-4DCC-989F-80F56AC7386E}" type="slidenum">
+              <a:rPr lang="zh-CN" altLang="en-US" smtClean="0"/>
+              <a:t>3</a:t>
+            </a:fld>
+            <a:endParaRPr lang="zh-CN" altLang="en-US"/>
+          </a:p>
+        </p:txBody>
+      </p:sp>
+    </p:spTree>
+    <p:extLst>
+      <p:ext uri="{BB962C8B-B14F-4D97-AF65-F5344CB8AC3E}">
+        <p14:creationId xmlns:p14="http://schemas.microsoft.com/office/powerpoint/2010/main" val="4209449192"/>
+      </p:ext>
+    </p:extLst>
+  </p:cSld>
+  <p:clrMapOvr>
+    <a:masterClrMapping/>
+  </p:clrMapOvr>
+</p:notes>
 </file>
 
 <file path=ppt/slideLayouts/slideLayout1.xml><?xml version="1.0" encoding="utf-8"?>
@@ -239,7 +682,7 @@
           <a:p>
             <a:fld id="{91F2D3A6-27B0-491F-A395-1184F68D32E9}" type="datetimeFigureOut">
               <a:rPr lang="zh-CN" altLang="en-US" smtClean="0"/>
-              <a:t>2023/5/4</a:t>
+              <a:t>2023/5/5</a:t>
             </a:fld>
             <a:endParaRPr lang="zh-CN" altLang="en-US"/>
           </a:p>
@@ -409,7 +852,7 @@
           <a:p>
             <a:fld id="{91F2D3A6-27B0-491F-A395-1184F68D32E9}" type="datetimeFigureOut">
               <a:rPr lang="zh-CN" altLang="en-US" smtClean="0"/>
-              <a:t>2023/5/4</a:t>
+              <a:t>2023/5/5</a:t>
             </a:fld>
             <a:endParaRPr lang="zh-CN" altLang="en-US"/>
           </a:p>
@@ -589,7 +1032,7 @@
           <a:p>
             <a:fld id="{91F2D3A6-27B0-491F-A395-1184F68D32E9}" type="datetimeFigureOut">
               <a:rPr lang="zh-CN" altLang="en-US" smtClean="0"/>
-              <a:t>2023/5/4</a:t>
+              <a:t>2023/5/5</a:t>
             </a:fld>
             <a:endParaRPr lang="zh-CN" altLang="en-US"/>
           </a:p>
@@ -759,7 +1202,7 @@
           <a:p>
             <a:fld id="{91F2D3A6-27B0-491F-A395-1184F68D32E9}" type="datetimeFigureOut">
               <a:rPr lang="zh-CN" altLang="en-US" smtClean="0"/>
-              <a:t>2023/5/4</a:t>
+              <a:t>2023/5/5</a:t>
             </a:fld>
             <a:endParaRPr lang="zh-CN" altLang="en-US"/>
           </a:p>
@@ -1005,7 +1448,7 @@
           <a:p>
             <a:fld id="{91F2D3A6-27B0-491F-A395-1184F68D32E9}" type="datetimeFigureOut">
               <a:rPr lang="zh-CN" altLang="en-US" smtClean="0"/>
-              <a:t>2023/5/4</a:t>
+              <a:t>2023/5/5</a:t>
             </a:fld>
             <a:endParaRPr lang="zh-CN" altLang="en-US"/>
           </a:p>
@@ -1237,7 +1680,7 @@
           <a:p>
             <a:fld id="{91F2D3A6-27B0-491F-A395-1184F68D32E9}" type="datetimeFigureOut">
               <a:rPr lang="zh-CN" altLang="en-US" smtClean="0"/>
-              <a:t>2023/5/4</a:t>
+              <a:t>2023/5/5</a:t>
             </a:fld>
             <a:endParaRPr lang="zh-CN" altLang="en-US"/>
           </a:p>
@@ -1604,7 +2047,7 @@
           <a:p>
             <a:fld id="{91F2D3A6-27B0-491F-A395-1184F68D32E9}" type="datetimeFigureOut">
               <a:rPr lang="zh-CN" altLang="en-US" smtClean="0"/>
-              <a:t>2023/5/4</a:t>
+              <a:t>2023/5/5</a:t>
             </a:fld>
             <a:endParaRPr lang="zh-CN" altLang="en-US"/>
           </a:p>
@@ -1722,7 +2165,7 @@
           <a:p>
             <a:fld id="{91F2D3A6-27B0-491F-A395-1184F68D32E9}" type="datetimeFigureOut">
               <a:rPr lang="zh-CN" altLang="en-US" smtClean="0"/>
-              <a:t>2023/5/4</a:t>
+              <a:t>2023/5/5</a:t>
             </a:fld>
             <a:endParaRPr lang="zh-CN" altLang="en-US"/>
           </a:p>
@@ -1817,7 +2260,7 @@
           <a:p>
             <a:fld id="{91F2D3A6-27B0-491F-A395-1184F68D32E9}" type="datetimeFigureOut">
               <a:rPr lang="zh-CN" altLang="en-US" smtClean="0"/>
-              <a:t>2023/5/4</a:t>
+              <a:t>2023/5/5</a:t>
             </a:fld>
             <a:endParaRPr lang="zh-CN" altLang="en-US"/>
           </a:p>
@@ -2094,7 +2537,7 @@
           <a:p>
             <a:fld id="{91F2D3A6-27B0-491F-A395-1184F68D32E9}" type="datetimeFigureOut">
               <a:rPr lang="zh-CN" altLang="en-US" smtClean="0"/>
-              <a:t>2023/5/4</a:t>
+              <a:t>2023/5/5</a:t>
             </a:fld>
             <a:endParaRPr lang="zh-CN" altLang="en-US"/>
           </a:p>
@@ -2347,7 +2790,7 @@
           <a:p>
             <a:fld id="{91F2D3A6-27B0-491F-A395-1184F68D32E9}" type="datetimeFigureOut">
               <a:rPr lang="zh-CN" altLang="en-US" smtClean="0"/>
-              <a:t>2023/5/4</a:t>
+              <a:t>2023/5/5</a:t>
             </a:fld>
             <a:endParaRPr lang="zh-CN" altLang="en-US"/>
           </a:p>
@@ -2560,7 +3003,7 @@
           <a:p>
             <a:fld id="{91F2D3A6-27B0-491F-A395-1184F68D32E9}" type="datetimeFigureOut">
               <a:rPr lang="zh-CN" altLang="en-US" smtClean="0"/>
-              <a:t>2023/5/4</a:t>
+              <a:t>2023/5/5</a:t>
             </a:fld>
             <a:endParaRPr lang="zh-CN" altLang="en-US"/>
           </a:p>
@@ -5929,6 +6372,1840 @@
 </p:sld>
 </file>
 
+<file path=ppt/slides/slide3.xml><?xml version="1.0" encoding="utf-8"?>
+<p:sld xmlns:a="http://schemas.openxmlformats.org/drawingml/2006/main" xmlns:r="http://schemas.openxmlformats.org/officeDocument/2006/relationships" xmlns:p="http://schemas.openxmlformats.org/presentationml/2006/main">
+  <p:cSld>
+    <p:spTree>
+      <p:nvGrpSpPr>
+        <p:cNvPr id="1" name=""/>
+        <p:cNvGrpSpPr/>
+        <p:nvPr/>
+      </p:nvGrpSpPr>
+      <p:grpSpPr>
+        <a:xfrm>
+          <a:off x="0" y="0"/>
+          <a:ext cx="0" cy="0"/>
+          <a:chOff x="0" y="0"/>
+          <a:chExt cx="0" cy="0"/>
+        </a:xfrm>
+      </p:grpSpPr>
+      <p:pic>
+        <p:nvPicPr>
+          <p:cNvPr id="40" name="图片 39"/>
+          <p:cNvPicPr>
+            <a:picLocks noChangeAspect="1"/>
+          </p:cNvPicPr>
+          <p:nvPr/>
+        </p:nvPicPr>
+        <p:blipFill>
+          <a:blip r:embed="rId3">
+            <a:extLst>
+              <a:ext uri="{28A0092B-C50C-407E-A947-70E740481C1C}">
+                <a14:useLocalDpi xmlns:a14="http://schemas.microsoft.com/office/drawing/2010/main" val="0"/>
+              </a:ext>
+            </a:extLst>
+          </a:blip>
+          <a:stretch>
+            <a:fillRect/>
+          </a:stretch>
+        </p:blipFill>
+        <p:spPr>
+          <a:xfrm>
+            <a:off x="75675" y="1"/>
+            <a:ext cx="3726968" cy="2912264"/>
+          </a:xfrm>
+          <a:prstGeom prst="rect">
+            <a:avLst/>
+          </a:prstGeom>
+        </p:spPr>
+      </p:pic>
+      <p:sp>
+        <p:nvSpPr>
+          <p:cNvPr id="5" name="文本框 4"/>
+          <p:cNvSpPr txBox="1"/>
+          <p:nvPr/>
+        </p:nvSpPr>
+        <p:spPr>
+          <a:xfrm>
+            <a:off x="4313445" y="681070"/>
+            <a:ext cx="3608680" cy="369332"/>
+          </a:xfrm>
+          <a:prstGeom prst="rect">
+            <a:avLst/>
+          </a:prstGeom>
+          <a:noFill/>
+        </p:spPr>
+        <p:txBody>
+          <a:bodyPr wrap="none" rtlCol="0">
+            <a:spAutoFit/>
+          </a:bodyPr>
+          <a:lstStyle/>
+          <a:p>
+            <a:r>
+              <a:rPr lang="en-US" altLang="zh-CN" dirty="0" smtClean="0"/>
+              <a:t>RNN</a:t>
+            </a:r>
+            <a:r>
+              <a:rPr lang="zh-CN" altLang="en-US" dirty="0" smtClean="0"/>
+              <a:t>缺点：梯度</a:t>
+            </a:r>
+            <a:r>
+              <a:rPr lang="zh-CN" altLang="en-US" dirty="0" smtClean="0">
+                <a:solidFill>
+                  <a:srgbClr val="FF0000"/>
+                </a:solidFill>
+              </a:rPr>
+              <a:t>爆炸</a:t>
+            </a:r>
+            <a:r>
+              <a:rPr lang="zh-CN" altLang="en-US" dirty="0" smtClean="0"/>
+              <a:t>或者</a:t>
+            </a:r>
+            <a:r>
+              <a:rPr lang="zh-CN" altLang="en-US" dirty="0" smtClean="0">
+                <a:solidFill>
+                  <a:srgbClr val="FF0000"/>
+                </a:solidFill>
+              </a:rPr>
+              <a:t>消失</a:t>
+            </a:r>
+            <a:r>
+              <a:rPr lang="zh-CN" altLang="en-US" dirty="0" smtClean="0"/>
+              <a:t>问题</a:t>
+            </a:r>
+            <a:endParaRPr lang="zh-CN" altLang="en-US" dirty="0"/>
+          </a:p>
+        </p:txBody>
+      </p:sp>
+      <p:sp>
+        <p:nvSpPr>
+          <p:cNvPr id="6" name="椭圆 5"/>
+          <p:cNvSpPr/>
+          <p:nvPr/>
+        </p:nvSpPr>
+        <p:spPr>
+          <a:xfrm>
+            <a:off x="75675" y="4867103"/>
+            <a:ext cx="490567" cy="405013"/>
+          </a:xfrm>
+          <a:prstGeom prst="ellipse">
+            <a:avLst/>
+          </a:prstGeom>
+          <a:solidFill>
+            <a:schemeClr val="accent1"/>
+          </a:solidFill>
+        </p:spPr>
+        <p:style>
+          <a:lnRef idx="2">
+            <a:schemeClr val="accent1">
+              <a:shade val="50000"/>
+            </a:schemeClr>
+          </a:lnRef>
+          <a:fillRef idx="1">
+            <a:schemeClr val="accent1"/>
+          </a:fillRef>
+          <a:effectRef idx="0">
+            <a:schemeClr val="accent1"/>
+          </a:effectRef>
+          <a:fontRef idx="minor">
+            <a:schemeClr val="lt1"/>
+          </a:fontRef>
+        </p:style>
+        <p:txBody>
+          <a:bodyPr rtlCol="0" anchor="ctr"/>
+          <a:lstStyle/>
+          <a:p>
+            <a:pPr algn="ctr"/>
+            <a:r>
+              <a:rPr lang="en-US" altLang="zh-CN" sz="1050" dirty="0" smtClean="0"/>
+              <a:t>h0</a:t>
+            </a:r>
+            <a:endParaRPr lang="zh-CN" altLang="en-US" sz="1050" dirty="0"/>
+          </a:p>
+        </p:txBody>
+      </p:sp>
+      <p:sp>
+        <p:nvSpPr>
+          <p:cNvPr id="7" name="椭圆 6"/>
+          <p:cNvSpPr/>
+          <p:nvPr/>
+        </p:nvSpPr>
+        <p:spPr>
+          <a:xfrm>
+            <a:off x="75675" y="3901847"/>
+            <a:ext cx="466636" cy="365638"/>
+          </a:xfrm>
+          <a:prstGeom prst="ellipse">
+            <a:avLst/>
+          </a:prstGeom>
+          <a:solidFill>
+            <a:srgbClr val="FF0000"/>
+          </a:solidFill>
+        </p:spPr>
+        <p:style>
+          <a:lnRef idx="2">
+            <a:schemeClr val="accent4">
+              <a:shade val="50000"/>
+            </a:schemeClr>
+          </a:lnRef>
+          <a:fillRef idx="1">
+            <a:schemeClr val="accent4"/>
+          </a:fillRef>
+          <a:effectRef idx="0">
+            <a:schemeClr val="accent4"/>
+          </a:effectRef>
+          <a:fontRef idx="minor">
+            <a:schemeClr val="lt1"/>
+          </a:fontRef>
+        </p:style>
+        <p:txBody>
+          <a:bodyPr rtlCol="0" anchor="ctr"/>
+          <a:lstStyle/>
+          <a:p>
+            <a:pPr algn="ctr"/>
+            <a:r>
+              <a:rPr lang="en-US" altLang="zh-CN" sz="1100" dirty="0" smtClean="0"/>
+              <a:t>w</a:t>
+            </a:r>
+            <a:endParaRPr lang="zh-CN" altLang="en-US" sz="1100" dirty="0"/>
+          </a:p>
+        </p:txBody>
+      </p:sp>
+      <p:sp>
+        <p:nvSpPr>
+          <p:cNvPr id="58" name="椭圆 57"/>
+          <p:cNvSpPr/>
+          <p:nvPr/>
+        </p:nvSpPr>
+        <p:spPr>
+          <a:xfrm>
+            <a:off x="1147542" y="4389900"/>
+            <a:ext cx="776732" cy="365638"/>
+          </a:xfrm>
+          <a:prstGeom prst="ellipse">
+            <a:avLst/>
+          </a:prstGeom>
+        </p:spPr>
+        <p:style>
+          <a:lnRef idx="2">
+            <a:schemeClr val="accent4">
+              <a:shade val="50000"/>
+            </a:schemeClr>
+          </a:lnRef>
+          <a:fillRef idx="1">
+            <a:schemeClr val="accent4"/>
+          </a:fillRef>
+          <a:effectRef idx="0">
+            <a:schemeClr val="accent4"/>
+          </a:effectRef>
+          <a:fontRef idx="minor">
+            <a:schemeClr val="lt1"/>
+          </a:fontRef>
+        </p:style>
+        <p:txBody>
+          <a:bodyPr rtlCol="0" anchor="ctr"/>
+          <a:lstStyle/>
+          <a:p>
+            <a:pPr algn="ctr"/>
+            <a:r>
+              <a:rPr lang="en-US" altLang="zh-CN" sz="1100" dirty="0" smtClean="0"/>
+              <a:t>dot</a:t>
+            </a:r>
+            <a:endParaRPr lang="zh-CN" altLang="en-US" sz="1100" dirty="0"/>
+          </a:p>
+        </p:txBody>
+      </p:sp>
+      <p:cxnSp>
+        <p:nvCxnSpPr>
+          <p:cNvPr id="9" name="直接箭头连接符 8"/>
+          <p:cNvCxnSpPr>
+            <a:stCxn id="7" idx="6"/>
+            <a:endCxn id="58" idx="2"/>
+          </p:cNvCxnSpPr>
+          <p:nvPr/>
+        </p:nvCxnSpPr>
+        <p:spPr>
+          <a:xfrm>
+            <a:off x="542311" y="4084665"/>
+            <a:ext cx="605231" cy="488053"/>
+          </a:xfrm>
+          <a:prstGeom prst="straightConnector1">
+            <a:avLst/>
+          </a:prstGeom>
+          <a:ln>
+            <a:tailEnd type="triangle"/>
+          </a:ln>
+        </p:spPr>
+        <p:style>
+          <a:lnRef idx="1">
+            <a:schemeClr val="accent1"/>
+          </a:lnRef>
+          <a:fillRef idx="0">
+            <a:schemeClr val="accent1"/>
+          </a:fillRef>
+          <a:effectRef idx="0">
+            <a:schemeClr val="accent1"/>
+          </a:effectRef>
+          <a:fontRef idx="minor">
+            <a:schemeClr val="tx1"/>
+          </a:fontRef>
+        </p:style>
+      </p:cxnSp>
+      <p:cxnSp>
+        <p:nvCxnSpPr>
+          <p:cNvPr id="59" name="直接箭头连接符 58"/>
+          <p:cNvCxnSpPr>
+            <a:stCxn id="6" idx="6"/>
+            <a:endCxn id="58" idx="2"/>
+          </p:cNvCxnSpPr>
+          <p:nvPr/>
+        </p:nvCxnSpPr>
+        <p:spPr>
+          <a:xfrm flipV="1">
+            <a:off x="566242" y="4572719"/>
+            <a:ext cx="581300" cy="496892"/>
+          </a:xfrm>
+          <a:prstGeom prst="straightConnector1">
+            <a:avLst/>
+          </a:prstGeom>
+          <a:ln>
+            <a:tailEnd type="triangle"/>
+          </a:ln>
+        </p:spPr>
+        <p:style>
+          <a:lnRef idx="1">
+            <a:schemeClr val="accent1"/>
+          </a:lnRef>
+          <a:fillRef idx="0">
+            <a:schemeClr val="accent1"/>
+          </a:fillRef>
+          <a:effectRef idx="0">
+            <a:schemeClr val="accent1"/>
+          </a:effectRef>
+          <a:fontRef idx="minor">
+            <a:schemeClr val="tx1"/>
+          </a:fontRef>
+        </p:style>
+      </p:cxnSp>
+      <p:sp>
+        <p:nvSpPr>
+          <p:cNvPr id="12" name="文本框 11"/>
+          <p:cNvSpPr txBox="1"/>
+          <p:nvPr/>
+        </p:nvSpPr>
+        <p:spPr>
+          <a:xfrm>
+            <a:off x="764765" y="4060453"/>
+            <a:ext cx="270994" cy="233358"/>
+          </a:xfrm>
+          <a:prstGeom prst="rect">
+            <a:avLst/>
+          </a:prstGeom>
+          <a:noFill/>
+        </p:spPr>
+        <p:txBody>
+          <a:bodyPr wrap="none" rtlCol="0">
+            <a:spAutoFit/>
+          </a:bodyPr>
+          <a:lstStyle/>
+          <a:p>
+            <a:r>
+              <a:rPr lang="en-US" altLang="zh-CN" sz="1100" dirty="0" smtClean="0"/>
+              <a:t>w</a:t>
+            </a:r>
+            <a:endParaRPr lang="zh-CN" altLang="en-US" sz="1100" dirty="0"/>
+          </a:p>
+        </p:txBody>
+      </p:sp>
+      <p:sp>
+        <p:nvSpPr>
+          <p:cNvPr id="60" name="文本框 59"/>
+          <p:cNvSpPr txBox="1"/>
+          <p:nvPr/>
+        </p:nvSpPr>
+        <p:spPr>
+          <a:xfrm>
+            <a:off x="764765" y="4872839"/>
+            <a:ext cx="313574" cy="233358"/>
+          </a:xfrm>
+          <a:prstGeom prst="rect">
+            <a:avLst/>
+          </a:prstGeom>
+          <a:noFill/>
+        </p:spPr>
+        <p:txBody>
+          <a:bodyPr wrap="none" rtlCol="0">
+            <a:spAutoFit/>
+          </a:bodyPr>
+          <a:lstStyle/>
+          <a:p>
+            <a:r>
+              <a:rPr lang="en-US" altLang="zh-CN" sz="1100" dirty="0" smtClean="0"/>
+              <a:t>h0</a:t>
+            </a:r>
+            <a:endParaRPr lang="zh-CN" altLang="en-US" sz="1100" dirty="0"/>
+          </a:p>
+        </p:txBody>
+      </p:sp>
+      <p:cxnSp>
+        <p:nvCxnSpPr>
+          <p:cNvPr id="62" name="直接箭头连接符 61"/>
+          <p:cNvCxnSpPr>
+            <a:stCxn id="58" idx="6"/>
+          </p:cNvCxnSpPr>
+          <p:nvPr/>
+        </p:nvCxnSpPr>
+        <p:spPr>
+          <a:xfrm>
+            <a:off x="1924274" y="4572719"/>
+            <a:ext cx="813624" cy="0"/>
+          </a:xfrm>
+          <a:prstGeom prst="straightConnector1">
+            <a:avLst/>
+          </a:prstGeom>
+          <a:ln>
+            <a:tailEnd type="triangle"/>
+          </a:ln>
+        </p:spPr>
+        <p:style>
+          <a:lnRef idx="1">
+            <a:schemeClr val="accent1"/>
+          </a:lnRef>
+          <a:fillRef idx="0">
+            <a:schemeClr val="accent1"/>
+          </a:fillRef>
+          <a:effectRef idx="0">
+            <a:schemeClr val="accent1"/>
+          </a:effectRef>
+          <a:fontRef idx="minor">
+            <a:schemeClr val="tx1"/>
+          </a:fontRef>
+        </p:style>
+      </p:cxnSp>
+      <p:sp>
+        <p:nvSpPr>
+          <p:cNvPr id="63" name="文本框 62"/>
+          <p:cNvSpPr txBox="1"/>
+          <p:nvPr/>
+        </p:nvSpPr>
+        <p:spPr>
+          <a:xfrm>
+            <a:off x="1938824" y="4338111"/>
+            <a:ext cx="704399" cy="233358"/>
+          </a:xfrm>
+          <a:prstGeom prst="rect">
+            <a:avLst/>
+          </a:prstGeom>
+          <a:noFill/>
+        </p:spPr>
+        <p:txBody>
+          <a:bodyPr wrap="none" rtlCol="0">
+            <a:spAutoFit/>
+          </a:bodyPr>
+          <a:lstStyle/>
+          <a:p>
+            <a:r>
+              <a:rPr lang="en-US" altLang="zh-CN" sz="1100" dirty="0" smtClean="0"/>
+              <a:t>h1=W*h0</a:t>
+            </a:r>
+            <a:endParaRPr lang="zh-CN" altLang="en-US" sz="1100" dirty="0"/>
+          </a:p>
+        </p:txBody>
+      </p:sp>
+      <p:sp>
+        <p:nvSpPr>
+          <p:cNvPr id="66" name="椭圆 65"/>
+          <p:cNvSpPr/>
+          <p:nvPr/>
+        </p:nvSpPr>
+        <p:spPr>
+          <a:xfrm>
+            <a:off x="2752448" y="4389900"/>
+            <a:ext cx="776732" cy="365638"/>
+          </a:xfrm>
+          <a:prstGeom prst="ellipse">
+            <a:avLst/>
+          </a:prstGeom>
+        </p:spPr>
+        <p:style>
+          <a:lnRef idx="2">
+            <a:schemeClr val="accent4">
+              <a:shade val="50000"/>
+            </a:schemeClr>
+          </a:lnRef>
+          <a:fillRef idx="1">
+            <a:schemeClr val="accent4"/>
+          </a:fillRef>
+          <a:effectRef idx="0">
+            <a:schemeClr val="accent4"/>
+          </a:effectRef>
+          <a:fontRef idx="minor">
+            <a:schemeClr val="lt1"/>
+          </a:fontRef>
+        </p:style>
+        <p:txBody>
+          <a:bodyPr rtlCol="0" anchor="ctr"/>
+          <a:lstStyle/>
+          <a:p>
+            <a:pPr algn="ctr"/>
+            <a:r>
+              <a:rPr lang="en-US" altLang="zh-CN" sz="1100" dirty="0" smtClean="0"/>
+              <a:t>dot</a:t>
+            </a:r>
+            <a:endParaRPr lang="zh-CN" altLang="en-US" sz="1100" dirty="0"/>
+          </a:p>
+        </p:txBody>
+      </p:sp>
+      <p:cxnSp>
+        <p:nvCxnSpPr>
+          <p:cNvPr id="16" name="曲线连接符 15"/>
+          <p:cNvCxnSpPr>
+            <a:stCxn id="7" idx="7"/>
+            <a:endCxn id="66" idx="0"/>
+          </p:cNvCxnSpPr>
+          <p:nvPr/>
+        </p:nvCxnSpPr>
+        <p:spPr>
+          <a:xfrm rot="16200000" flipH="1">
+            <a:off x="1590140" y="2839226"/>
+            <a:ext cx="434507" cy="2666840"/>
+          </a:xfrm>
+          <a:prstGeom prst="curvedConnector3">
+            <a:avLst>
+              <a:gd name="adj1" fmla="val -59253"/>
+            </a:avLst>
+          </a:prstGeom>
+          <a:ln>
+            <a:tailEnd type="triangle"/>
+          </a:ln>
+        </p:spPr>
+        <p:style>
+          <a:lnRef idx="1">
+            <a:schemeClr val="accent1"/>
+          </a:lnRef>
+          <a:fillRef idx="0">
+            <a:schemeClr val="accent1"/>
+          </a:fillRef>
+          <a:effectRef idx="0">
+            <a:schemeClr val="accent1"/>
+          </a:effectRef>
+          <a:fontRef idx="minor">
+            <a:schemeClr val="tx1"/>
+          </a:fontRef>
+        </p:style>
+      </p:cxnSp>
+      <p:sp>
+        <p:nvSpPr>
+          <p:cNvPr id="67" name="文本框 66"/>
+          <p:cNvSpPr txBox="1"/>
+          <p:nvPr/>
+        </p:nvSpPr>
+        <p:spPr>
+          <a:xfrm>
+            <a:off x="1921874" y="3745478"/>
+            <a:ext cx="270994" cy="233358"/>
+          </a:xfrm>
+          <a:prstGeom prst="rect">
+            <a:avLst/>
+          </a:prstGeom>
+          <a:noFill/>
+        </p:spPr>
+        <p:txBody>
+          <a:bodyPr wrap="none" rtlCol="0">
+            <a:spAutoFit/>
+          </a:bodyPr>
+          <a:lstStyle/>
+          <a:p>
+            <a:r>
+              <a:rPr lang="en-US" altLang="zh-CN" sz="1100" dirty="0" smtClean="0"/>
+              <a:t>w</a:t>
+            </a:r>
+            <a:endParaRPr lang="zh-CN" altLang="en-US" sz="1100" dirty="0"/>
+          </a:p>
+        </p:txBody>
+      </p:sp>
+      <p:cxnSp>
+        <p:nvCxnSpPr>
+          <p:cNvPr id="70" name="直接箭头连接符 69"/>
+          <p:cNvCxnSpPr/>
+          <p:nvPr/>
+        </p:nvCxnSpPr>
+        <p:spPr>
+          <a:xfrm>
+            <a:off x="3529180" y="4572719"/>
+            <a:ext cx="813624" cy="0"/>
+          </a:xfrm>
+          <a:prstGeom prst="straightConnector1">
+            <a:avLst/>
+          </a:prstGeom>
+          <a:ln>
+            <a:tailEnd type="triangle"/>
+          </a:ln>
+        </p:spPr>
+        <p:style>
+          <a:lnRef idx="1">
+            <a:schemeClr val="accent1"/>
+          </a:lnRef>
+          <a:fillRef idx="0">
+            <a:schemeClr val="accent1"/>
+          </a:fillRef>
+          <a:effectRef idx="0">
+            <a:schemeClr val="accent1"/>
+          </a:effectRef>
+          <a:fontRef idx="minor">
+            <a:schemeClr val="tx1"/>
+          </a:fontRef>
+        </p:style>
+      </p:cxnSp>
+      <p:sp>
+        <p:nvSpPr>
+          <p:cNvPr id="71" name="文本框 70"/>
+          <p:cNvSpPr txBox="1"/>
+          <p:nvPr/>
+        </p:nvSpPr>
+        <p:spPr>
+          <a:xfrm>
+            <a:off x="3582980" y="4328692"/>
+            <a:ext cx="844305" cy="233358"/>
+          </a:xfrm>
+          <a:prstGeom prst="rect">
+            <a:avLst/>
+          </a:prstGeom>
+          <a:noFill/>
+        </p:spPr>
+        <p:txBody>
+          <a:bodyPr wrap="none" rtlCol="0">
+            <a:spAutoFit/>
+          </a:bodyPr>
+          <a:lstStyle/>
+          <a:p>
+            <a:r>
+              <a:rPr lang="en-US" altLang="zh-CN" sz="1100" dirty="0" smtClean="0"/>
+              <a:t>h2=w*h0*w</a:t>
+            </a:r>
+            <a:endParaRPr lang="zh-CN" altLang="en-US" sz="1100" dirty="0"/>
+          </a:p>
+        </p:txBody>
+      </p:sp>
+      <p:cxnSp>
+        <p:nvCxnSpPr>
+          <p:cNvPr id="78" name="曲线连接符 77"/>
+          <p:cNvCxnSpPr>
+            <a:stCxn id="7" idx="0"/>
+            <a:endCxn id="79" idx="0"/>
+          </p:cNvCxnSpPr>
+          <p:nvPr/>
+        </p:nvCxnSpPr>
+        <p:spPr>
+          <a:xfrm rot="16200000" flipH="1">
+            <a:off x="2277425" y="1933414"/>
+            <a:ext cx="499862" cy="4436727"/>
+          </a:xfrm>
+          <a:prstGeom prst="curvedConnector3">
+            <a:avLst>
+              <a:gd name="adj1" fmla="val -110766"/>
+            </a:avLst>
+          </a:prstGeom>
+          <a:ln>
+            <a:tailEnd type="triangle"/>
+          </a:ln>
+        </p:spPr>
+        <p:style>
+          <a:lnRef idx="1">
+            <a:schemeClr val="accent1"/>
+          </a:lnRef>
+          <a:fillRef idx="0">
+            <a:schemeClr val="accent1"/>
+          </a:fillRef>
+          <a:effectRef idx="0">
+            <a:schemeClr val="accent1"/>
+          </a:effectRef>
+          <a:fontRef idx="minor">
+            <a:schemeClr val="tx1"/>
+          </a:fontRef>
+        </p:style>
+      </p:cxnSp>
+      <p:sp>
+        <p:nvSpPr>
+          <p:cNvPr id="79" name="椭圆 78"/>
+          <p:cNvSpPr/>
+          <p:nvPr/>
+        </p:nvSpPr>
+        <p:spPr>
+          <a:xfrm>
+            <a:off x="4357354" y="4401709"/>
+            <a:ext cx="776732" cy="365638"/>
+          </a:xfrm>
+          <a:prstGeom prst="ellipse">
+            <a:avLst/>
+          </a:prstGeom>
+        </p:spPr>
+        <p:style>
+          <a:lnRef idx="2">
+            <a:schemeClr val="accent4">
+              <a:shade val="50000"/>
+            </a:schemeClr>
+          </a:lnRef>
+          <a:fillRef idx="1">
+            <a:schemeClr val="accent4"/>
+          </a:fillRef>
+          <a:effectRef idx="0">
+            <a:schemeClr val="accent4"/>
+          </a:effectRef>
+          <a:fontRef idx="minor">
+            <a:schemeClr val="lt1"/>
+          </a:fontRef>
+        </p:style>
+        <p:txBody>
+          <a:bodyPr rtlCol="0" anchor="ctr"/>
+          <a:lstStyle/>
+          <a:p>
+            <a:pPr algn="ctr"/>
+            <a:r>
+              <a:rPr lang="en-US" altLang="zh-CN" sz="1100" dirty="0" smtClean="0"/>
+              <a:t>dot</a:t>
+            </a:r>
+            <a:endParaRPr lang="zh-CN" altLang="en-US" sz="1100" dirty="0"/>
+          </a:p>
+        </p:txBody>
+      </p:sp>
+      <p:cxnSp>
+        <p:nvCxnSpPr>
+          <p:cNvPr id="80" name="直接箭头连接符 79"/>
+          <p:cNvCxnSpPr/>
+          <p:nvPr/>
+        </p:nvCxnSpPr>
+        <p:spPr>
+          <a:xfrm>
+            <a:off x="5181352" y="4575800"/>
+            <a:ext cx="1080250" cy="8727"/>
+          </a:xfrm>
+          <a:prstGeom prst="straightConnector1">
+            <a:avLst/>
+          </a:prstGeom>
+          <a:ln>
+            <a:tailEnd type="triangle"/>
+          </a:ln>
+        </p:spPr>
+        <p:style>
+          <a:lnRef idx="1">
+            <a:schemeClr val="accent1"/>
+          </a:lnRef>
+          <a:fillRef idx="0">
+            <a:schemeClr val="accent1"/>
+          </a:fillRef>
+          <a:effectRef idx="0">
+            <a:schemeClr val="accent1"/>
+          </a:effectRef>
+          <a:fontRef idx="minor">
+            <a:schemeClr val="tx1"/>
+          </a:fontRef>
+        </p:style>
+      </p:cxnSp>
+      <p:sp>
+        <p:nvSpPr>
+          <p:cNvPr id="82" name="文本框 81"/>
+          <p:cNvSpPr txBox="1"/>
+          <p:nvPr/>
+        </p:nvSpPr>
+        <p:spPr>
+          <a:xfrm>
+            <a:off x="5148636" y="4346806"/>
+            <a:ext cx="1007024" cy="233358"/>
+          </a:xfrm>
+          <a:prstGeom prst="rect">
+            <a:avLst/>
+          </a:prstGeom>
+          <a:noFill/>
+        </p:spPr>
+        <p:txBody>
+          <a:bodyPr wrap="none" rtlCol="0">
+            <a:spAutoFit/>
+          </a:bodyPr>
+          <a:lstStyle/>
+          <a:p>
+            <a:r>
+              <a:rPr lang="en-US" altLang="zh-CN" sz="1100" dirty="0"/>
+              <a:t>h</a:t>
+            </a:r>
+            <a:r>
+              <a:rPr lang="en-US" altLang="zh-CN" sz="1100" dirty="0" smtClean="0"/>
+              <a:t>3=w*h0*w*w</a:t>
+            </a:r>
+            <a:endParaRPr lang="zh-CN" altLang="en-US" sz="1100" dirty="0"/>
+          </a:p>
+        </p:txBody>
+      </p:sp>
+      <p:sp>
+        <p:nvSpPr>
+          <p:cNvPr id="83" name="文本框 82"/>
+          <p:cNvSpPr txBox="1"/>
+          <p:nvPr/>
+        </p:nvSpPr>
+        <p:spPr>
+          <a:xfrm>
+            <a:off x="3001128" y="3301251"/>
+            <a:ext cx="270994" cy="233358"/>
+          </a:xfrm>
+          <a:prstGeom prst="rect">
+            <a:avLst/>
+          </a:prstGeom>
+          <a:noFill/>
+        </p:spPr>
+        <p:txBody>
+          <a:bodyPr wrap="none" rtlCol="0">
+            <a:spAutoFit/>
+          </a:bodyPr>
+          <a:lstStyle/>
+          <a:p>
+            <a:r>
+              <a:rPr lang="en-US" altLang="zh-CN" sz="1100" dirty="0" smtClean="0"/>
+              <a:t>w</a:t>
+            </a:r>
+            <a:endParaRPr lang="zh-CN" altLang="en-US" sz="1100" dirty="0"/>
+          </a:p>
+        </p:txBody>
+      </p:sp>
+      <p:sp>
+        <p:nvSpPr>
+          <p:cNvPr id="84" name="椭圆 83"/>
+          <p:cNvSpPr/>
+          <p:nvPr/>
+        </p:nvSpPr>
+        <p:spPr>
+          <a:xfrm>
+            <a:off x="6261602" y="4397345"/>
+            <a:ext cx="776732" cy="365638"/>
+          </a:xfrm>
+          <a:prstGeom prst="ellipse">
+            <a:avLst/>
+          </a:prstGeom>
+        </p:spPr>
+        <p:style>
+          <a:lnRef idx="2">
+            <a:schemeClr val="accent4">
+              <a:shade val="50000"/>
+            </a:schemeClr>
+          </a:lnRef>
+          <a:fillRef idx="1">
+            <a:schemeClr val="accent4"/>
+          </a:fillRef>
+          <a:effectRef idx="0">
+            <a:schemeClr val="accent4"/>
+          </a:effectRef>
+          <a:fontRef idx="minor">
+            <a:schemeClr val="lt1"/>
+          </a:fontRef>
+        </p:style>
+        <p:txBody>
+          <a:bodyPr rtlCol="0" anchor="ctr"/>
+          <a:lstStyle/>
+          <a:p>
+            <a:pPr algn="ctr"/>
+            <a:r>
+              <a:rPr lang="en-US" altLang="zh-CN" sz="1100" dirty="0" smtClean="0"/>
+              <a:t>dot</a:t>
+            </a:r>
+            <a:endParaRPr lang="zh-CN" altLang="en-US" sz="1100" dirty="0"/>
+          </a:p>
+        </p:txBody>
+      </p:sp>
+      <p:cxnSp>
+        <p:nvCxnSpPr>
+          <p:cNvPr id="85" name="曲线连接符 84"/>
+          <p:cNvCxnSpPr>
+            <a:endCxn id="84" idx="0"/>
+          </p:cNvCxnSpPr>
+          <p:nvPr/>
+        </p:nvCxnSpPr>
+        <p:spPr>
+          <a:xfrm>
+            <a:off x="4745721" y="3021591"/>
+            <a:ext cx="1904247" cy="1375754"/>
+          </a:xfrm>
+          <a:prstGeom prst="curvedConnector2">
+            <a:avLst/>
+          </a:prstGeom>
+          <a:ln>
+            <a:tailEnd type="triangle"/>
+          </a:ln>
+        </p:spPr>
+        <p:style>
+          <a:lnRef idx="1">
+            <a:schemeClr val="accent1"/>
+          </a:lnRef>
+          <a:fillRef idx="0">
+            <a:schemeClr val="accent1"/>
+          </a:fillRef>
+          <a:effectRef idx="0">
+            <a:schemeClr val="accent1"/>
+          </a:effectRef>
+          <a:fontRef idx="minor">
+            <a:schemeClr val="tx1"/>
+          </a:fontRef>
+        </p:style>
+      </p:cxnSp>
+      <p:sp>
+        <p:nvSpPr>
+          <p:cNvPr id="86" name="文本框 85"/>
+          <p:cNvSpPr txBox="1"/>
+          <p:nvPr/>
+        </p:nvSpPr>
+        <p:spPr>
+          <a:xfrm>
+            <a:off x="5786648" y="2965717"/>
+            <a:ext cx="1037438" cy="233358"/>
+          </a:xfrm>
+          <a:prstGeom prst="rect">
+            <a:avLst/>
+          </a:prstGeom>
+          <a:noFill/>
+        </p:spPr>
+        <p:txBody>
+          <a:bodyPr wrap="none" rtlCol="0">
+            <a:spAutoFit/>
+          </a:bodyPr>
+          <a:lstStyle/>
+          <a:p>
+            <a:r>
+              <a:rPr lang="en-US" altLang="zh-CN" sz="1100" dirty="0" smtClean="0"/>
+              <a:t>V(i2o</a:t>
+            </a:r>
+            <a:r>
+              <a:rPr lang="zh-CN" altLang="en-US" sz="1100" dirty="0" smtClean="0"/>
+              <a:t>层的权重</a:t>
+            </a:r>
+            <a:r>
+              <a:rPr lang="en-US" altLang="zh-CN" sz="1100" dirty="0" smtClean="0"/>
+              <a:t>)</a:t>
+            </a:r>
+            <a:endParaRPr lang="zh-CN" altLang="en-US" sz="1100" dirty="0"/>
+          </a:p>
+        </p:txBody>
+      </p:sp>
+      <p:sp>
+        <p:nvSpPr>
+          <p:cNvPr id="87" name="文本框 86"/>
+          <p:cNvSpPr txBox="1"/>
+          <p:nvPr/>
+        </p:nvSpPr>
+        <p:spPr>
+          <a:xfrm>
+            <a:off x="7038333" y="4323542"/>
+            <a:ext cx="1320293" cy="233358"/>
+          </a:xfrm>
+          <a:prstGeom prst="rect">
+            <a:avLst/>
+          </a:prstGeom>
+          <a:noFill/>
+        </p:spPr>
+        <p:txBody>
+          <a:bodyPr wrap="none" rtlCol="0">
+            <a:spAutoFit/>
+          </a:bodyPr>
+          <a:lstStyle/>
+          <a:p>
+            <a:r>
+              <a:rPr lang="en-US" altLang="zh-CN" sz="1100" dirty="0" err="1" smtClean="0"/>
+              <a:t>ouput</a:t>
+            </a:r>
+            <a:r>
+              <a:rPr lang="en-US" altLang="zh-CN" sz="1100" dirty="0" smtClean="0"/>
+              <a:t>=w*h0*w*w*v</a:t>
+            </a:r>
+            <a:endParaRPr lang="zh-CN" altLang="en-US" sz="1100" dirty="0"/>
+          </a:p>
+        </p:txBody>
+      </p:sp>
+      <p:cxnSp>
+        <p:nvCxnSpPr>
+          <p:cNvPr id="92" name="直接箭头连接符 91"/>
+          <p:cNvCxnSpPr/>
+          <p:nvPr/>
+        </p:nvCxnSpPr>
+        <p:spPr>
+          <a:xfrm>
+            <a:off x="7038333" y="4580164"/>
+            <a:ext cx="1080250" cy="8727"/>
+          </a:xfrm>
+          <a:prstGeom prst="straightConnector1">
+            <a:avLst/>
+          </a:prstGeom>
+          <a:ln>
+            <a:tailEnd type="triangle"/>
+          </a:ln>
+        </p:spPr>
+        <p:style>
+          <a:lnRef idx="1">
+            <a:schemeClr val="accent1"/>
+          </a:lnRef>
+          <a:fillRef idx="0">
+            <a:schemeClr val="accent1"/>
+          </a:fillRef>
+          <a:effectRef idx="0">
+            <a:schemeClr val="accent1"/>
+          </a:effectRef>
+          <a:fontRef idx="minor">
+            <a:schemeClr val="tx1"/>
+          </a:fontRef>
+        </p:style>
+      </p:cxnSp>
+      <p:sp>
+        <p:nvSpPr>
+          <p:cNvPr id="94" name="椭圆 93"/>
+          <p:cNvSpPr/>
+          <p:nvPr/>
+        </p:nvSpPr>
+        <p:spPr>
+          <a:xfrm>
+            <a:off x="4336819" y="2833438"/>
+            <a:ext cx="466636" cy="365638"/>
+          </a:xfrm>
+          <a:prstGeom prst="ellipse">
+            <a:avLst/>
+          </a:prstGeom>
+          <a:solidFill>
+            <a:srgbClr val="FF0000"/>
+          </a:solidFill>
+        </p:spPr>
+        <p:style>
+          <a:lnRef idx="2">
+            <a:schemeClr val="accent4">
+              <a:shade val="50000"/>
+            </a:schemeClr>
+          </a:lnRef>
+          <a:fillRef idx="1">
+            <a:schemeClr val="accent4"/>
+          </a:fillRef>
+          <a:effectRef idx="0">
+            <a:schemeClr val="accent4"/>
+          </a:effectRef>
+          <a:fontRef idx="minor">
+            <a:schemeClr val="lt1"/>
+          </a:fontRef>
+        </p:style>
+        <p:txBody>
+          <a:bodyPr rtlCol="0" anchor="ctr"/>
+          <a:lstStyle/>
+          <a:p>
+            <a:pPr algn="ctr"/>
+            <a:r>
+              <a:rPr lang="en-US" altLang="zh-CN" sz="1100" dirty="0" smtClean="0"/>
+              <a:t>v</a:t>
+            </a:r>
+            <a:endParaRPr lang="zh-CN" altLang="en-US" sz="1100" dirty="0"/>
+          </a:p>
+        </p:txBody>
+      </p:sp>
+      <p:sp>
+        <p:nvSpPr>
+          <p:cNvPr id="96" name="椭圆 95"/>
+          <p:cNvSpPr/>
+          <p:nvPr/>
+        </p:nvSpPr>
+        <p:spPr>
+          <a:xfrm>
+            <a:off x="6305367" y="5473910"/>
+            <a:ext cx="776732" cy="365638"/>
+          </a:xfrm>
+          <a:prstGeom prst="ellipse">
+            <a:avLst/>
+          </a:prstGeom>
+        </p:spPr>
+        <p:style>
+          <a:lnRef idx="2">
+            <a:schemeClr val="accent6">
+              <a:shade val="50000"/>
+            </a:schemeClr>
+          </a:lnRef>
+          <a:fillRef idx="1">
+            <a:schemeClr val="accent6"/>
+          </a:fillRef>
+          <a:effectRef idx="0">
+            <a:schemeClr val="accent6"/>
+          </a:effectRef>
+          <a:fontRef idx="minor">
+            <a:schemeClr val="lt1"/>
+          </a:fontRef>
+        </p:style>
+        <p:txBody>
+          <a:bodyPr rtlCol="0" anchor="ctr"/>
+          <a:lstStyle/>
+          <a:p>
+            <a:pPr algn="ctr"/>
+            <a:r>
+              <a:rPr lang="en-US" altLang="zh-CN" sz="1100" dirty="0" smtClean="0"/>
+              <a:t>label</a:t>
+            </a:r>
+            <a:endParaRPr lang="zh-CN" altLang="en-US" sz="1100" dirty="0"/>
+          </a:p>
+        </p:txBody>
+      </p:sp>
+      <p:cxnSp>
+        <p:nvCxnSpPr>
+          <p:cNvPr id="97" name="直接箭头连接符 96"/>
+          <p:cNvCxnSpPr/>
+          <p:nvPr/>
+        </p:nvCxnSpPr>
+        <p:spPr>
+          <a:xfrm flipV="1">
+            <a:off x="7082098" y="4724834"/>
+            <a:ext cx="1181062" cy="789166"/>
+          </a:xfrm>
+          <a:prstGeom prst="straightConnector1">
+            <a:avLst/>
+          </a:prstGeom>
+          <a:ln>
+            <a:tailEnd type="triangle"/>
+          </a:ln>
+        </p:spPr>
+        <p:style>
+          <a:lnRef idx="1">
+            <a:schemeClr val="accent1"/>
+          </a:lnRef>
+          <a:fillRef idx="0">
+            <a:schemeClr val="accent1"/>
+          </a:fillRef>
+          <a:effectRef idx="0">
+            <a:schemeClr val="accent1"/>
+          </a:effectRef>
+          <a:fontRef idx="minor">
+            <a:schemeClr val="tx1"/>
+          </a:fontRef>
+        </p:style>
+      </p:cxnSp>
+      <p:sp>
+        <p:nvSpPr>
+          <p:cNvPr id="98" name="椭圆 97"/>
+          <p:cNvSpPr/>
+          <p:nvPr/>
+        </p:nvSpPr>
+        <p:spPr>
+          <a:xfrm>
+            <a:off x="8209614" y="4445239"/>
+            <a:ext cx="776732" cy="365638"/>
+          </a:xfrm>
+          <a:prstGeom prst="ellipse">
+            <a:avLst/>
+          </a:prstGeom>
+        </p:spPr>
+        <p:style>
+          <a:lnRef idx="2">
+            <a:schemeClr val="accent4">
+              <a:shade val="50000"/>
+            </a:schemeClr>
+          </a:lnRef>
+          <a:fillRef idx="1">
+            <a:schemeClr val="accent4"/>
+          </a:fillRef>
+          <a:effectRef idx="0">
+            <a:schemeClr val="accent4"/>
+          </a:effectRef>
+          <a:fontRef idx="minor">
+            <a:schemeClr val="lt1"/>
+          </a:fontRef>
+        </p:style>
+        <p:txBody>
+          <a:bodyPr rtlCol="0" anchor="ctr"/>
+          <a:lstStyle/>
+          <a:p>
+            <a:pPr algn="ctr"/>
+            <a:r>
+              <a:rPr lang="en-US" altLang="zh-CN" sz="1100" dirty="0" smtClean="0"/>
+              <a:t>-</a:t>
+            </a:r>
+            <a:endParaRPr lang="zh-CN" altLang="en-US" sz="1100" dirty="0"/>
+          </a:p>
+        </p:txBody>
+      </p:sp>
+      <p:cxnSp>
+        <p:nvCxnSpPr>
+          <p:cNvPr id="101" name="直接箭头连接符 100"/>
+          <p:cNvCxnSpPr/>
+          <p:nvPr/>
+        </p:nvCxnSpPr>
+        <p:spPr>
+          <a:xfrm>
+            <a:off x="9033612" y="4628716"/>
+            <a:ext cx="1080250" cy="8727"/>
+          </a:xfrm>
+          <a:prstGeom prst="straightConnector1">
+            <a:avLst/>
+          </a:prstGeom>
+          <a:ln>
+            <a:tailEnd type="triangle"/>
+          </a:ln>
+        </p:spPr>
+        <p:style>
+          <a:lnRef idx="1">
+            <a:schemeClr val="accent1"/>
+          </a:lnRef>
+          <a:fillRef idx="0">
+            <a:schemeClr val="accent1"/>
+          </a:fillRef>
+          <a:effectRef idx="0">
+            <a:schemeClr val="accent1"/>
+          </a:effectRef>
+          <a:fontRef idx="minor">
+            <a:schemeClr val="tx1"/>
+          </a:fontRef>
+        </p:style>
+      </p:cxnSp>
+      <p:sp>
+        <p:nvSpPr>
+          <p:cNvPr id="103" name="文本框 102"/>
+          <p:cNvSpPr txBox="1"/>
+          <p:nvPr/>
+        </p:nvSpPr>
+        <p:spPr>
+          <a:xfrm>
+            <a:off x="9246099" y="4339784"/>
+            <a:ext cx="465192" cy="261610"/>
+          </a:xfrm>
+          <a:prstGeom prst="rect">
+            <a:avLst/>
+          </a:prstGeom>
+          <a:noFill/>
+        </p:spPr>
+        <p:txBody>
+          <a:bodyPr wrap="none" rtlCol="0">
+            <a:spAutoFit/>
+          </a:bodyPr>
+          <a:lstStyle/>
+          <a:p>
+            <a:r>
+              <a:rPr lang="en-US" altLang="zh-CN" sz="1100" dirty="0" smtClean="0"/>
+              <a:t>LOSS</a:t>
+            </a:r>
+            <a:endParaRPr lang="zh-CN" altLang="en-US" sz="1100" dirty="0"/>
+          </a:p>
+        </p:txBody>
+      </p:sp>
+      <p:cxnSp>
+        <p:nvCxnSpPr>
+          <p:cNvPr id="104" name="直接箭头连接符 103"/>
+          <p:cNvCxnSpPr/>
+          <p:nvPr/>
+        </p:nvCxnSpPr>
+        <p:spPr>
+          <a:xfrm flipH="1">
+            <a:off x="9075710" y="4762983"/>
+            <a:ext cx="1038152" cy="26860"/>
+          </a:xfrm>
+          <a:prstGeom prst="straightConnector1">
+            <a:avLst/>
+          </a:prstGeom>
+          <a:ln>
+            <a:tailEnd type="triangle"/>
+          </a:ln>
+        </p:spPr>
+        <p:style>
+          <a:lnRef idx="1">
+            <a:schemeClr val="accent1"/>
+          </a:lnRef>
+          <a:fillRef idx="0">
+            <a:schemeClr val="accent1"/>
+          </a:fillRef>
+          <a:effectRef idx="0">
+            <a:schemeClr val="accent1"/>
+          </a:effectRef>
+          <a:fontRef idx="minor">
+            <a:schemeClr val="tx1"/>
+          </a:fontRef>
+        </p:style>
+      </p:cxnSp>
+      <p:sp>
+        <p:nvSpPr>
+          <p:cNvPr id="105" name="文本框 104"/>
+          <p:cNvSpPr txBox="1"/>
+          <p:nvPr/>
+        </p:nvSpPr>
+        <p:spPr>
+          <a:xfrm>
+            <a:off x="9384102" y="4784578"/>
+            <a:ext cx="256802" cy="261610"/>
+          </a:xfrm>
+          <a:prstGeom prst="rect">
+            <a:avLst/>
+          </a:prstGeom>
+          <a:noFill/>
+        </p:spPr>
+        <p:txBody>
+          <a:bodyPr wrap="none" rtlCol="0">
+            <a:spAutoFit/>
+          </a:bodyPr>
+          <a:lstStyle/>
+          <a:p>
+            <a:r>
+              <a:rPr lang="en-US" altLang="zh-CN" sz="1100" dirty="0" smtClean="0"/>
+              <a:t>1</a:t>
+            </a:r>
+            <a:endParaRPr lang="zh-CN" altLang="en-US" sz="1100" dirty="0"/>
+          </a:p>
+        </p:txBody>
+      </p:sp>
+      <p:cxnSp>
+        <p:nvCxnSpPr>
+          <p:cNvPr id="106" name="直接箭头连接符 105"/>
+          <p:cNvCxnSpPr/>
+          <p:nvPr/>
+        </p:nvCxnSpPr>
+        <p:spPr>
+          <a:xfrm flipH="1">
+            <a:off x="7049635" y="4693639"/>
+            <a:ext cx="1038152" cy="26860"/>
+          </a:xfrm>
+          <a:prstGeom prst="straightConnector1">
+            <a:avLst/>
+          </a:prstGeom>
+          <a:ln>
+            <a:tailEnd type="triangle"/>
+          </a:ln>
+        </p:spPr>
+        <p:style>
+          <a:lnRef idx="1">
+            <a:schemeClr val="accent1"/>
+          </a:lnRef>
+          <a:fillRef idx="0">
+            <a:schemeClr val="accent1"/>
+          </a:fillRef>
+          <a:effectRef idx="0">
+            <a:schemeClr val="accent1"/>
+          </a:effectRef>
+          <a:fontRef idx="minor">
+            <a:schemeClr val="tx1"/>
+          </a:fontRef>
+        </p:style>
+      </p:cxnSp>
+      <p:sp>
+        <p:nvSpPr>
+          <p:cNvPr id="107" name="文本框 106"/>
+          <p:cNvSpPr txBox="1"/>
+          <p:nvPr/>
+        </p:nvSpPr>
+        <p:spPr>
+          <a:xfrm>
+            <a:off x="7358027" y="4715234"/>
+            <a:ext cx="399468" cy="261610"/>
+          </a:xfrm>
+          <a:prstGeom prst="rect">
+            <a:avLst/>
+          </a:prstGeom>
+          <a:noFill/>
+        </p:spPr>
+        <p:txBody>
+          <a:bodyPr wrap="none" rtlCol="0">
+            <a:spAutoFit/>
+          </a:bodyPr>
+          <a:lstStyle/>
+          <a:p>
+            <a:r>
+              <a:rPr lang="en-US" altLang="zh-CN" sz="1100" dirty="0" smtClean="0"/>
+              <a:t>1*1</a:t>
+            </a:r>
+            <a:endParaRPr lang="zh-CN" altLang="en-US" sz="1100" dirty="0"/>
+          </a:p>
+        </p:txBody>
+      </p:sp>
+      <p:sp>
+        <p:nvSpPr>
+          <p:cNvPr id="109" name="文本框 108"/>
+          <p:cNvSpPr txBox="1"/>
+          <p:nvPr/>
+        </p:nvSpPr>
+        <p:spPr>
+          <a:xfrm>
+            <a:off x="5467728" y="4714598"/>
+            <a:ext cx="534121" cy="261610"/>
+          </a:xfrm>
+          <a:prstGeom prst="rect">
+            <a:avLst/>
+          </a:prstGeom>
+          <a:noFill/>
+        </p:spPr>
+        <p:txBody>
+          <a:bodyPr wrap="none" rtlCol="0">
+            <a:spAutoFit/>
+          </a:bodyPr>
+          <a:lstStyle/>
+          <a:p>
+            <a:r>
+              <a:rPr lang="en-US" altLang="zh-CN" sz="1100" dirty="0" smtClean="0"/>
+              <a:t>1*1*v</a:t>
+            </a:r>
+            <a:endParaRPr lang="zh-CN" altLang="en-US" sz="1100" dirty="0"/>
+          </a:p>
+        </p:txBody>
+      </p:sp>
+      <p:cxnSp>
+        <p:nvCxnSpPr>
+          <p:cNvPr id="110" name="直接箭头连接符 109"/>
+          <p:cNvCxnSpPr/>
+          <p:nvPr/>
+        </p:nvCxnSpPr>
+        <p:spPr>
+          <a:xfrm flipH="1" flipV="1">
+            <a:off x="5255913" y="4693639"/>
+            <a:ext cx="1025192" cy="8165"/>
+          </a:xfrm>
+          <a:prstGeom prst="straightConnector1">
+            <a:avLst/>
+          </a:prstGeom>
+          <a:ln>
+            <a:tailEnd type="triangle"/>
+          </a:ln>
+        </p:spPr>
+        <p:style>
+          <a:lnRef idx="1">
+            <a:schemeClr val="accent1"/>
+          </a:lnRef>
+          <a:fillRef idx="0">
+            <a:schemeClr val="accent1"/>
+          </a:fillRef>
+          <a:effectRef idx="0">
+            <a:schemeClr val="accent1"/>
+          </a:effectRef>
+          <a:fontRef idx="minor">
+            <a:schemeClr val="tx1"/>
+          </a:fontRef>
+        </p:style>
+      </p:cxnSp>
+      <p:cxnSp>
+        <p:nvCxnSpPr>
+          <p:cNvPr id="111" name="直接箭头连接符 110"/>
+          <p:cNvCxnSpPr/>
+          <p:nvPr/>
+        </p:nvCxnSpPr>
+        <p:spPr>
+          <a:xfrm flipH="1" flipV="1">
+            <a:off x="4801005" y="3268945"/>
+            <a:ext cx="1530550" cy="1120955"/>
+          </a:xfrm>
+          <a:prstGeom prst="straightConnector1">
+            <a:avLst/>
+          </a:prstGeom>
+          <a:ln>
+            <a:tailEnd type="triangle"/>
+          </a:ln>
+        </p:spPr>
+        <p:style>
+          <a:lnRef idx="1">
+            <a:schemeClr val="accent1"/>
+          </a:lnRef>
+          <a:fillRef idx="0">
+            <a:schemeClr val="accent1"/>
+          </a:fillRef>
+          <a:effectRef idx="0">
+            <a:schemeClr val="accent1"/>
+          </a:effectRef>
+          <a:fontRef idx="minor">
+            <a:schemeClr val="tx1"/>
+          </a:fontRef>
+        </p:style>
+      </p:cxnSp>
+      <p:sp>
+        <p:nvSpPr>
+          <p:cNvPr id="112" name="文本框 111"/>
+          <p:cNvSpPr txBox="1"/>
+          <p:nvPr/>
+        </p:nvSpPr>
+        <p:spPr>
+          <a:xfrm>
+            <a:off x="5494823" y="3546266"/>
+            <a:ext cx="615874" cy="261610"/>
+          </a:xfrm>
+          <a:prstGeom prst="rect">
+            <a:avLst/>
+          </a:prstGeom>
+          <a:noFill/>
+        </p:spPr>
+        <p:txBody>
+          <a:bodyPr wrap="none" rtlCol="0">
+            <a:spAutoFit/>
+          </a:bodyPr>
+          <a:lstStyle/>
+          <a:p>
+            <a:r>
+              <a:rPr lang="en-US" altLang="zh-CN" sz="1100" dirty="0" smtClean="0"/>
+              <a:t>1*1*h3</a:t>
+            </a:r>
+            <a:endParaRPr lang="zh-CN" altLang="en-US" sz="1100" dirty="0"/>
+          </a:p>
+        </p:txBody>
+      </p:sp>
+      <p:sp>
+        <p:nvSpPr>
+          <p:cNvPr id="113" name="文本框 112"/>
+          <p:cNvSpPr txBox="1"/>
+          <p:nvPr/>
+        </p:nvSpPr>
+        <p:spPr>
+          <a:xfrm>
+            <a:off x="3640734" y="4653773"/>
+            <a:ext cx="705642" cy="261610"/>
+          </a:xfrm>
+          <a:prstGeom prst="rect">
+            <a:avLst/>
+          </a:prstGeom>
+          <a:noFill/>
+        </p:spPr>
+        <p:txBody>
+          <a:bodyPr wrap="none" rtlCol="0">
+            <a:spAutoFit/>
+          </a:bodyPr>
+          <a:lstStyle/>
+          <a:p>
+            <a:r>
+              <a:rPr lang="en-US" altLang="zh-CN" sz="1100" dirty="0" smtClean="0"/>
+              <a:t>1*1*v*w</a:t>
+            </a:r>
+            <a:endParaRPr lang="zh-CN" altLang="en-US" sz="1100" dirty="0"/>
+          </a:p>
+        </p:txBody>
+      </p:sp>
+      <p:cxnSp>
+        <p:nvCxnSpPr>
+          <p:cNvPr id="115" name="直接箭头连接符 114"/>
+          <p:cNvCxnSpPr/>
+          <p:nvPr/>
+        </p:nvCxnSpPr>
+        <p:spPr>
+          <a:xfrm flipH="1">
+            <a:off x="3631177" y="4871576"/>
+            <a:ext cx="705642" cy="0"/>
+          </a:xfrm>
+          <a:prstGeom prst="straightConnector1">
+            <a:avLst/>
+          </a:prstGeom>
+          <a:ln>
+            <a:tailEnd type="triangle"/>
+          </a:ln>
+        </p:spPr>
+        <p:style>
+          <a:lnRef idx="1">
+            <a:schemeClr val="accent1"/>
+          </a:lnRef>
+          <a:fillRef idx="0">
+            <a:schemeClr val="accent1"/>
+          </a:fillRef>
+          <a:effectRef idx="0">
+            <a:schemeClr val="accent1"/>
+          </a:effectRef>
+          <a:fontRef idx="minor">
+            <a:schemeClr val="tx1"/>
+          </a:fontRef>
+        </p:style>
+      </p:cxnSp>
+      <p:sp>
+        <p:nvSpPr>
+          <p:cNvPr id="117" name="文本框 116"/>
+          <p:cNvSpPr txBox="1"/>
+          <p:nvPr/>
+        </p:nvSpPr>
+        <p:spPr>
+          <a:xfrm>
+            <a:off x="2012440" y="4680072"/>
+            <a:ext cx="877163" cy="261610"/>
+          </a:xfrm>
+          <a:prstGeom prst="rect">
+            <a:avLst/>
+          </a:prstGeom>
+          <a:noFill/>
+        </p:spPr>
+        <p:txBody>
+          <a:bodyPr wrap="none" rtlCol="0">
+            <a:spAutoFit/>
+          </a:bodyPr>
+          <a:lstStyle/>
+          <a:p>
+            <a:r>
+              <a:rPr lang="en-US" altLang="zh-CN" sz="1100" dirty="0" smtClean="0"/>
+              <a:t>1*1*v*w*w</a:t>
+            </a:r>
+            <a:endParaRPr lang="zh-CN" altLang="en-US" sz="1100" dirty="0"/>
+          </a:p>
+        </p:txBody>
+      </p:sp>
+      <p:cxnSp>
+        <p:nvCxnSpPr>
+          <p:cNvPr id="118" name="直接箭头连接符 117"/>
+          <p:cNvCxnSpPr/>
+          <p:nvPr/>
+        </p:nvCxnSpPr>
+        <p:spPr>
+          <a:xfrm flipH="1" flipV="1">
+            <a:off x="1928982" y="4926548"/>
+            <a:ext cx="1025192" cy="8165"/>
+          </a:xfrm>
+          <a:prstGeom prst="straightConnector1">
+            <a:avLst/>
+          </a:prstGeom>
+          <a:ln>
+            <a:tailEnd type="triangle"/>
+          </a:ln>
+        </p:spPr>
+        <p:style>
+          <a:lnRef idx="1">
+            <a:schemeClr val="accent1"/>
+          </a:lnRef>
+          <a:fillRef idx="0">
+            <a:schemeClr val="accent1"/>
+          </a:fillRef>
+          <a:effectRef idx="0">
+            <a:schemeClr val="accent1"/>
+          </a:effectRef>
+          <a:fontRef idx="minor">
+            <a:schemeClr val="tx1"/>
+          </a:fontRef>
+        </p:style>
+      </p:cxnSp>
+      <p:sp>
+        <p:nvSpPr>
+          <p:cNvPr id="119" name="文本框 118"/>
+          <p:cNvSpPr txBox="1"/>
+          <p:nvPr/>
+        </p:nvSpPr>
+        <p:spPr>
+          <a:xfrm>
+            <a:off x="6707" y="4389900"/>
+            <a:ext cx="1093569" cy="261610"/>
+          </a:xfrm>
+          <a:prstGeom prst="rect">
+            <a:avLst/>
+          </a:prstGeom>
+          <a:noFill/>
+        </p:spPr>
+        <p:txBody>
+          <a:bodyPr wrap="none" rtlCol="0">
+            <a:spAutoFit/>
+          </a:bodyPr>
+          <a:lstStyle/>
+          <a:p>
+            <a:r>
+              <a:rPr lang="en-US" altLang="zh-CN" sz="1100" dirty="0" smtClean="0"/>
+              <a:t>1*1*v*w*w*h0</a:t>
+            </a:r>
+            <a:endParaRPr lang="zh-CN" altLang="en-US" sz="1100" dirty="0"/>
+          </a:p>
+        </p:txBody>
+      </p:sp>
+      <p:cxnSp>
+        <p:nvCxnSpPr>
+          <p:cNvPr id="120" name="直接箭头连接符 119"/>
+          <p:cNvCxnSpPr>
+            <a:endCxn id="7" idx="4"/>
+          </p:cNvCxnSpPr>
+          <p:nvPr/>
+        </p:nvCxnSpPr>
+        <p:spPr>
+          <a:xfrm flipH="1" flipV="1">
+            <a:off x="308993" y="4267485"/>
+            <a:ext cx="516865" cy="434319"/>
+          </a:xfrm>
+          <a:prstGeom prst="straightConnector1">
+            <a:avLst/>
+          </a:prstGeom>
+          <a:ln>
+            <a:tailEnd type="triangle"/>
+          </a:ln>
+        </p:spPr>
+        <p:style>
+          <a:lnRef idx="1">
+            <a:schemeClr val="accent1"/>
+          </a:lnRef>
+          <a:fillRef idx="0">
+            <a:schemeClr val="accent1"/>
+          </a:fillRef>
+          <a:effectRef idx="0">
+            <a:schemeClr val="accent1"/>
+          </a:effectRef>
+          <a:fontRef idx="minor">
+            <a:schemeClr val="tx1"/>
+          </a:fontRef>
+        </p:style>
+      </p:cxnSp>
+      <p:cxnSp>
+        <p:nvCxnSpPr>
+          <p:cNvPr id="126" name="曲线连接符 125"/>
+          <p:cNvCxnSpPr>
+            <a:stCxn id="79" idx="1"/>
+            <a:endCxn id="7" idx="0"/>
+          </p:cNvCxnSpPr>
+          <p:nvPr/>
+        </p:nvCxnSpPr>
+        <p:spPr>
+          <a:xfrm rot="16200000" flipV="1">
+            <a:off x="2113345" y="2097495"/>
+            <a:ext cx="553408" cy="4162111"/>
+          </a:xfrm>
+          <a:prstGeom prst="curvedConnector3">
+            <a:avLst>
+              <a:gd name="adj1" fmla="val 273493"/>
+            </a:avLst>
+          </a:prstGeom>
+          <a:ln>
+            <a:tailEnd type="triangle"/>
+          </a:ln>
+        </p:spPr>
+        <p:style>
+          <a:lnRef idx="1">
+            <a:schemeClr val="accent1"/>
+          </a:lnRef>
+          <a:fillRef idx="0">
+            <a:schemeClr val="accent1"/>
+          </a:fillRef>
+          <a:effectRef idx="0">
+            <a:schemeClr val="accent1"/>
+          </a:effectRef>
+          <a:fontRef idx="minor">
+            <a:schemeClr val="tx1"/>
+          </a:fontRef>
+        </p:style>
+      </p:cxnSp>
+      <p:sp>
+        <p:nvSpPr>
+          <p:cNvPr id="130" name="文本框 129"/>
+          <p:cNvSpPr txBox="1"/>
+          <p:nvPr/>
+        </p:nvSpPr>
+        <p:spPr>
+          <a:xfrm>
+            <a:off x="1783609" y="2917594"/>
+            <a:ext cx="750526" cy="261610"/>
+          </a:xfrm>
+          <a:prstGeom prst="rect">
+            <a:avLst/>
+          </a:prstGeom>
+          <a:noFill/>
+        </p:spPr>
+        <p:txBody>
+          <a:bodyPr wrap="none" rtlCol="0">
+            <a:spAutoFit/>
+          </a:bodyPr>
+          <a:lstStyle/>
+          <a:p>
+            <a:r>
+              <a:rPr lang="en-US" altLang="zh-CN" sz="1100" dirty="0" smtClean="0"/>
+              <a:t>1*1*v*h2</a:t>
+            </a:r>
+            <a:endParaRPr lang="zh-CN" altLang="en-US" sz="1100" dirty="0"/>
+          </a:p>
+        </p:txBody>
+      </p:sp>
+      <p:sp>
+        <p:nvSpPr>
+          <p:cNvPr id="131" name="文本框 130"/>
+          <p:cNvSpPr txBox="1"/>
+          <p:nvPr/>
+        </p:nvSpPr>
+        <p:spPr>
+          <a:xfrm>
+            <a:off x="566570" y="6029913"/>
+            <a:ext cx="8834470" cy="646331"/>
+          </a:xfrm>
+          <a:prstGeom prst="rect">
+            <a:avLst/>
+          </a:prstGeom>
+          <a:noFill/>
+        </p:spPr>
+        <p:txBody>
+          <a:bodyPr wrap="none" rtlCol="0">
+            <a:spAutoFit/>
+          </a:bodyPr>
+          <a:lstStyle/>
+          <a:p>
+            <a:r>
+              <a:rPr lang="zh-CN" altLang="en-US" dirty="0"/>
+              <a:t>会</a:t>
+            </a:r>
+            <a:r>
+              <a:rPr lang="zh-CN" altLang="en-US" dirty="0" smtClean="0"/>
+              <a:t>发现：</a:t>
+            </a:r>
+            <a:r>
+              <a:rPr lang="en-US" altLang="zh-CN" dirty="0" smtClean="0"/>
+              <a:t>W</a:t>
+            </a:r>
+            <a:r>
+              <a:rPr lang="zh-CN" altLang="en-US" dirty="0" smtClean="0"/>
+              <a:t>得到的梯度基本上是</a:t>
+            </a:r>
+            <a:r>
+              <a:rPr lang="en-US" altLang="zh-CN" dirty="0" err="1" smtClean="0"/>
+              <a:t>w^n</a:t>
+            </a:r>
+            <a:r>
+              <a:rPr lang="zh-CN" altLang="en-US" dirty="0" smtClean="0"/>
+              <a:t>次方，那么</a:t>
+            </a:r>
+            <a:endParaRPr lang="en-US" altLang="zh-CN" dirty="0" smtClean="0"/>
+          </a:p>
+          <a:p>
+            <a:r>
+              <a:rPr lang="en-US" altLang="zh-CN" dirty="0" smtClean="0"/>
+              <a:t>w</a:t>
+            </a:r>
+            <a:r>
+              <a:rPr lang="zh-CN" altLang="en-US" dirty="0" smtClean="0"/>
+              <a:t>如果此时</a:t>
+            </a:r>
+            <a:r>
+              <a:rPr lang="en-US" altLang="zh-CN" dirty="0" smtClean="0"/>
+              <a:t>&lt;1</a:t>
+            </a:r>
+            <a:r>
+              <a:rPr lang="zh-CN" altLang="en-US" dirty="0" smtClean="0"/>
+              <a:t>的，那么</a:t>
+            </a:r>
+            <a:r>
+              <a:rPr lang="en-US" altLang="zh-CN" dirty="0" err="1" smtClean="0"/>
+              <a:t>w^n</a:t>
+            </a:r>
+            <a:r>
+              <a:rPr lang="zh-CN" altLang="en-US" dirty="0" smtClean="0"/>
+              <a:t>就可能消失为</a:t>
+            </a:r>
+            <a:r>
+              <a:rPr lang="en-US" altLang="zh-CN" dirty="0" smtClean="0"/>
+              <a:t>0</a:t>
+            </a:r>
+            <a:r>
+              <a:rPr lang="zh-CN" altLang="en-US" dirty="0" smtClean="0"/>
+              <a:t>，如果</a:t>
+            </a:r>
+            <a:r>
+              <a:rPr lang="en-US" altLang="zh-CN" dirty="0" smtClean="0"/>
+              <a:t>w&gt;1</a:t>
+            </a:r>
+            <a:r>
+              <a:rPr lang="zh-CN" altLang="en-US" dirty="0" smtClean="0"/>
+              <a:t>的那么</a:t>
+            </a:r>
+            <a:r>
+              <a:rPr lang="en-US" altLang="zh-CN" dirty="0" smtClean="0"/>
+              <a:t>w</a:t>
+            </a:r>
+            <a:r>
+              <a:rPr lang="zh-CN" altLang="en-US" dirty="0" smtClean="0"/>
+              <a:t>可能就爆炸成很大的数字</a:t>
+            </a:r>
+            <a:endParaRPr lang="zh-CN" altLang="en-US" dirty="0"/>
+          </a:p>
+        </p:txBody>
+      </p:sp>
+    </p:spTree>
+    <p:extLst>
+      <p:ext uri="{BB962C8B-B14F-4D97-AF65-F5344CB8AC3E}">
+        <p14:creationId xmlns:p14="http://schemas.microsoft.com/office/powerpoint/2010/main" val="3897042172"/>
+      </p:ext>
+    </p:extLst>
+  </p:cSld>
+  <p:clrMapOvr>
+    <a:masterClrMapping/>
+  </p:clrMapOvr>
+</p:sld>
+</file>
+
 <file path=ppt/theme/theme1.xml><?xml version="1.0" encoding="utf-8"?>
 <a:theme xmlns:a="http://schemas.openxmlformats.org/drawingml/2006/main" name="Office 主题">
   <a:themeElements>
@@ -6188,4 +8465,265 @@
     </a:ext>
   </a:extLst>
 </a:theme>
+</file>
+
+<file path=ppt/theme/theme2.xml><?xml version="1.0" encoding="utf-8"?>
+<a:theme xmlns:a="http://schemas.openxmlformats.org/drawingml/2006/main" name="Office 主题">
+  <a:themeElements>
+    <a:clrScheme name="Office">
+      <a:dk1>
+        <a:sysClr val="windowText" lastClr="000000"/>
+      </a:dk1>
+      <a:lt1>
+        <a:sysClr val="window" lastClr="FFFFFF"/>
+      </a:lt1>
+      <a:dk2>
+        <a:srgbClr val="44546A"/>
+      </a:dk2>
+      <a:lt2>
+        <a:srgbClr val="E7E6E6"/>
+      </a:lt2>
+      <a:accent1>
+        <a:srgbClr val="5B9BD5"/>
+      </a:accent1>
+      <a:accent2>
+        <a:srgbClr val="ED7D31"/>
+      </a:accent2>
+      <a:accent3>
+        <a:srgbClr val="A5A5A5"/>
+      </a:accent3>
+      <a:accent4>
+        <a:srgbClr val="FFC000"/>
+      </a:accent4>
+      <a:accent5>
+        <a:srgbClr val="4472C4"/>
+      </a:accent5>
+      <a:accent6>
+        <a:srgbClr val="70AD47"/>
+      </a:accent6>
+      <a:hlink>
+        <a:srgbClr val="0563C1"/>
+      </a:hlink>
+      <a:folHlink>
+        <a:srgbClr val="954F72"/>
+      </a:folHlink>
+    </a:clrScheme>
+    <a:fontScheme name="Office">
+      <a:majorFont>
+        <a:latin typeface="Calibri Light" panose="020F0302020204030204"/>
+        <a:ea typeface=""/>
+        <a:cs typeface=""/>
+        <a:font script="Jpan" typeface="ＭＳ Ｐゴシック"/>
+        <a:font script="Hang" typeface="맑은 고딕"/>
+        <a:font script="Hans" typeface="宋体"/>
+        <a:font script="Hant" typeface="新細明體"/>
+        <a:font script="Arab" typeface="Times New Roman"/>
+        <a:font script="Hebr" typeface="Times New Roman"/>
+        <a:font script="Thai" typeface="Angsana New"/>
+        <a:font script="Ethi" typeface="Nyala"/>
+        <a:font script="Beng" typeface="Vrinda"/>
+        <a:font script="Gujr" typeface="Shruti"/>
+        <a:font script="Khmr" typeface="MoolBoran"/>
+        <a:font script="Knda" typeface="Tunga"/>
+        <a:font script="Guru" typeface="Raavi"/>
+        <a:font script="Cans" typeface="Euphemia"/>
+        <a:font script="Cher" typeface="Plantagenet Cherokee"/>
+        <a:font script="Yiii" typeface="Microsoft Yi Baiti"/>
+        <a:font script="Tibt" typeface="Microsoft Himalaya"/>
+        <a:font script="Thaa" typeface="MV Boli"/>
+        <a:font script="Deva" typeface="Mangal"/>
+        <a:font script="Telu" typeface="Gautami"/>
+        <a:font script="Taml" typeface="Latha"/>
+        <a:font script="Syrc" typeface="Estrangelo Edessa"/>
+        <a:font script="Orya" typeface="Kalinga"/>
+        <a:font script="Mlym" typeface="Kartika"/>
+        <a:font script="Laoo" typeface="DokChampa"/>
+        <a:font script="Sinh" typeface="Iskoola Pota"/>
+        <a:font script="Mong" typeface="Mongolian Baiti"/>
+        <a:font script="Viet" typeface="Times New Roman"/>
+        <a:font script="Uigh" typeface="Microsoft Uighur"/>
+        <a:font script="Geor" typeface="Sylfaen"/>
+      </a:majorFont>
+      <a:minorFont>
+        <a:latin typeface="Calibri" panose="020F0502020204030204"/>
+        <a:ea typeface=""/>
+        <a:cs typeface=""/>
+        <a:font script="Jpan" typeface="ＭＳ Ｐゴシック"/>
+        <a:font script="Hang" typeface="맑은 고딕"/>
+        <a:font script="Hans" typeface="宋体"/>
+        <a:font script="Hant" typeface="新細明體"/>
+        <a:font script="Arab" typeface="Arial"/>
+        <a:font script="Hebr" typeface="Arial"/>
+        <a:font script="Thai" typeface="Cordia New"/>
+        <a:font script="Ethi" typeface="Nyala"/>
+        <a:font script="Beng" typeface="Vrinda"/>
+        <a:font script="Gujr" typeface="Shruti"/>
+        <a:font script="Khmr" typeface="DaunPenh"/>
+        <a:font script="Knda" typeface="Tunga"/>
+        <a:font script="Guru" typeface="Raavi"/>
+        <a:font script="Cans" typeface="Euphemia"/>
+        <a:font script="Cher" typeface="Plantagenet Cherokee"/>
+        <a:font script="Yiii" typeface="Microsoft Yi Baiti"/>
+        <a:font script="Tibt" typeface="Microsoft Himalaya"/>
+        <a:font script="Thaa" typeface="MV Boli"/>
+        <a:font script="Deva" typeface="Mangal"/>
+        <a:font script="Telu" typeface="Gautami"/>
+        <a:font script="Taml" typeface="Latha"/>
+        <a:font script="Syrc" typeface="Estrangelo Edessa"/>
+        <a:font script="Orya" typeface="Kalinga"/>
+        <a:font script="Mlym" typeface="Kartika"/>
+        <a:font script="Laoo" typeface="DokChampa"/>
+        <a:font script="Sinh" typeface="Iskoola Pota"/>
+        <a:font script="Mong" typeface="Mongolian Baiti"/>
+        <a:font script="Viet" typeface="Arial"/>
+        <a:font script="Uigh" typeface="Microsoft Uighur"/>
+        <a:font script="Geor" typeface="Sylfaen"/>
+      </a:minorFont>
+    </a:fontScheme>
+    <a:fmtScheme name="Office">
+      <a:fillStyleLst>
+        <a:solidFill>
+          <a:schemeClr val="phClr"/>
+        </a:solidFill>
+        <a:gradFill rotWithShape="1">
+          <a:gsLst>
+            <a:gs pos="0">
+              <a:schemeClr val="phClr">
+                <a:lumMod val="110000"/>
+                <a:satMod val="105000"/>
+                <a:tint val="67000"/>
+              </a:schemeClr>
+            </a:gs>
+            <a:gs pos="50000">
+              <a:schemeClr val="phClr">
+                <a:lumMod val="105000"/>
+                <a:satMod val="103000"/>
+                <a:tint val="73000"/>
+              </a:schemeClr>
+            </a:gs>
+            <a:gs pos="100000">
+              <a:schemeClr val="phClr">
+                <a:lumMod val="105000"/>
+                <a:satMod val="109000"/>
+                <a:tint val="81000"/>
+              </a:schemeClr>
+            </a:gs>
+          </a:gsLst>
+          <a:lin ang="5400000" scaled="0"/>
+        </a:gradFill>
+        <a:gradFill rotWithShape="1">
+          <a:gsLst>
+            <a:gs pos="0">
+              <a:schemeClr val="phClr">
+                <a:satMod val="103000"/>
+                <a:lumMod val="102000"/>
+                <a:tint val="94000"/>
+              </a:schemeClr>
+            </a:gs>
+            <a:gs pos="50000">
+              <a:schemeClr val="phClr">
+                <a:satMod val="110000"/>
+                <a:lumMod val="100000"/>
+                <a:shade val="100000"/>
+              </a:schemeClr>
+            </a:gs>
+            <a:gs pos="100000">
+              <a:schemeClr val="phClr">
+                <a:lumMod val="99000"/>
+                <a:satMod val="120000"/>
+                <a:shade val="78000"/>
+              </a:schemeClr>
+            </a:gs>
+          </a:gsLst>
+          <a:lin ang="5400000" scaled="0"/>
+        </a:gradFill>
+      </a:fillStyleLst>
+      <a:lnStyleLst>
+        <a:ln w="6350" cap="flat" cmpd="sng" algn="ctr">
+          <a:solidFill>
+            <a:schemeClr val="phClr"/>
+          </a:solidFill>
+          <a:prstDash val="solid"/>
+          <a:miter lim="800000"/>
+        </a:ln>
+        <a:ln w="12700" cap="flat" cmpd="sng" algn="ctr">
+          <a:solidFill>
+            <a:schemeClr val="phClr"/>
+          </a:solidFill>
+          <a:prstDash val="solid"/>
+          <a:miter lim="800000"/>
+        </a:ln>
+        <a:ln w="19050" cap="flat" cmpd="sng" algn="ctr">
+          <a:solidFill>
+            <a:schemeClr val="phClr"/>
+          </a:solidFill>
+          <a:prstDash val="solid"/>
+          <a:miter lim="800000"/>
+        </a:ln>
+      </a:lnStyleLst>
+      <a:effectStyleLst>
+        <a:effectStyle>
+          <a:effectLst/>
+        </a:effectStyle>
+        <a:effectStyle>
+          <a:effectLst/>
+        </a:effectStyle>
+        <a:effectStyle>
+          <a:effectLst>
+            <a:outerShdw blurRad="57150" dist="19050" dir="5400000" algn="ctr" rotWithShape="0">
+              <a:srgbClr val="000000">
+                <a:alpha val="63000"/>
+              </a:srgbClr>
+            </a:outerShdw>
+          </a:effectLst>
+        </a:effectStyle>
+      </a:effectStyleLst>
+      <a:bgFillStyleLst>
+        <a:solidFill>
+          <a:schemeClr val="phClr"/>
+        </a:solidFill>
+        <a:solidFill>
+          <a:schemeClr val="phClr">
+            <a:tint val="95000"/>
+            <a:satMod val="170000"/>
+          </a:schemeClr>
+        </a:solidFill>
+        <a:gradFill rotWithShape="1">
+          <a:gsLst>
+            <a:gs pos="0">
+              <a:schemeClr val="phClr">
+                <a:tint val="93000"/>
+                <a:satMod val="150000"/>
+                <a:shade val="98000"/>
+                <a:lumMod val="102000"/>
+              </a:schemeClr>
+            </a:gs>
+            <a:gs pos="50000">
+              <a:schemeClr val="phClr">
+                <a:tint val="98000"/>
+                <a:satMod val="130000"/>
+                <a:shade val="90000"/>
+                <a:lumMod val="103000"/>
+              </a:schemeClr>
+            </a:gs>
+            <a:gs pos="100000">
+              <a:schemeClr val="phClr">
+                <a:shade val="63000"/>
+                <a:satMod val="120000"/>
+              </a:schemeClr>
+            </a:gs>
+          </a:gsLst>
+          <a:lin ang="5400000" scaled="0"/>
+        </a:gradFill>
+      </a:bgFillStyleLst>
+    </a:fmtScheme>
+  </a:themeElements>
+  <a:objectDefaults/>
+  <a:extraClrSchemeLst/>
+  <a:extLst>
+    <a:ext uri="{05A4C25C-085E-4340-85A3-A5531E510DB2}">
+      <thm15:themeFamily xmlns:thm15="http://schemas.microsoft.com/office/thememl/2012/main" name="Office Theme" id="{62F939B6-93AF-4DB8-9C6B-D6C7DFDC589F}" vid="{4A3C46E8-61CC-4603-A589-7422A47A8E4A}"/>
+    </a:ext>
+  </a:extLst>
+</a:theme>
 </file>
--- a/RNN网络结构示例.pptx
+++ b/RNN网络结构示例.pptx
@@ -5,12 +5,13 @@
     <p:sldMasterId id="2147483648" r:id="rId1"/>
   </p:sldMasterIdLst>
   <p:notesMasterIdLst>
-    <p:notesMasterId r:id="rId5"/>
+    <p:notesMasterId r:id="rId6"/>
   </p:notesMasterIdLst>
   <p:sldIdLst>
     <p:sldId id="256" r:id="rId2"/>
     <p:sldId id="257" r:id="rId3"/>
     <p:sldId id="258" r:id="rId4"/>
+    <p:sldId id="259" r:id="rId5"/>
   </p:sldIdLst>
   <p:sldSz cx="12192000" cy="6858000"/>
   <p:notesSz cx="6858000" cy="9144000"/>
@@ -199,7 +200,7 @@
           <a:p>
             <a:fld id="{55930555-BEF3-45EC-8211-93EC7D2D7F7D}" type="datetimeFigureOut">
               <a:rPr lang="zh-CN" altLang="en-US" smtClean="0"/>
-              <a:t>2023/5/5</a:t>
+              <a:t>2023/5/6</a:t>
             </a:fld>
             <a:endParaRPr lang="zh-CN" altLang="en-US"/>
           </a:p>
@@ -551,6 +552,90 @@
 </p:notes>
 </file>
 
+<file path=ppt/notesSlides/notesSlide2.xml><?xml version="1.0" encoding="utf-8"?>
+<p:notes xmlns:a="http://schemas.openxmlformats.org/drawingml/2006/main" xmlns:r="http://schemas.openxmlformats.org/officeDocument/2006/relationships" xmlns:p="http://schemas.openxmlformats.org/presentationml/2006/main">
+  <p:cSld>
+    <p:spTree>
+      <p:nvGrpSpPr>
+        <p:cNvPr id="1" name=""/>
+        <p:cNvGrpSpPr/>
+        <p:nvPr/>
+      </p:nvGrpSpPr>
+      <p:grpSpPr>
+        <a:xfrm>
+          <a:off x="0" y="0"/>
+          <a:ext cx="0" cy="0"/>
+          <a:chOff x="0" y="0"/>
+          <a:chExt cx="0" cy="0"/>
+        </a:xfrm>
+      </p:grpSpPr>
+      <p:sp>
+        <p:nvSpPr>
+          <p:cNvPr id="2" name="幻灯片图像占位符 1"/>
+          <p:cNvSpPr>
+            <a:spLocks noGrp="1" noRot="1" noChangeAspect="1"/>
+          </p:cNvSpPr>
+          <p:nvPr>
+            <p:ph type="sldImg"/>
+          </p:nvPr>
+        </p:nvSpPr>
+        <p:spPr/>
+      </p:sp>
+      <p:sp>
+        <p:nvSpPr>
+          <p:cNvPr id="3" name="备注占位符 2"/>
+          <p:cNvSpPr>
+            <a:spLocks noGrp="1"/>
+          </p:cNvSpPr>
+          <p:nvPr>
+            <p:ph type="body" idx="1"/>
+          </p:nvPr>
+        </p:nvSpPr>
+        <p:spPr/>
+        <p:txBody>
+          <a:bodyPr/>
+          <a:lstStyle/>
+          <a:p>
+            <a:endParaRPr lang="zh-CN" altLang="en-US"/>
+          </a:p>
+        </p:txBody>
+      </p:sp>
+      <p:sp>
+        <p:nvSpPr>
+          <p:cNvPr id="4" name="灯片编号占位符 3"/>
+          <p:cNvSpPr>
+            <a:spLocks noGrp="1"/>
+          </p:cNvSpPr>
+          <p:nvPr>
+            <p:ph type="sldNum" sz="quarter" idx="10"/>
+          </p:nvPr>
+        </p:nvSpPr>
+        <p:spPr/>
+        <p:txBody>
+          <a:bodyPr/>
+          <a:lstStyle/>
+          <a:p>
+            <a:fld id="{7DA44F2C-197A-4DCC-989F-80F56AC7386E}" type="slidenum">
+              <a:rPr lang="zh-CN" altLang="en-US" smtClean="0"/>
+              <a:t>4</a:t>
+            </a:fld>
+            <a:endParaRPr lang="zh-CN" altLang="en-US"/>
+          </a:p>
+        </p:txBody>
+      </p:sp>
+    </p:spTree>
+    <p:extLst>
+      <p:ext uri="{BB962C8B-B14F-4D97-AF65-F5344CB8AC3E}">
+        <p14:creationId xmlns:p14="http://schemas.microsoft.com/office/powerpoint/2010/main" val="4129276037"/>
+      </p:ext>
+    </p:extLst>
+  </p:cSld>
+  <p:clrMapOvr>
+    <a:masterClrMapping/>
+  </p:clrMapOvr>
+</p:notes>
+</file>
+
 <file path=ppt/slideLayouts/slideLayout1.xml><?xml version="1.0" encoding="utf-8"?>
 <p:sldLayout xmlns:a="http://schemas.openxmlformats.org/drawingml/2006/main" xmlns:r="http://schemas.openxmlformats.org/officeDocument/2006/relationships" xmlns:p="http://schemas.openxmlformats.org/presentationml/2006/main" type="title" preserve="1">
   <p:cSld name="标题幻灯片">
@@ -682,7 +767,7 @@
           <a:p>
             <a:fld id="{91F2D3A6-27B0-491F-A395-1184F68D32E9}" type="datetimeFigureOut">
               <a:rPr lang="zh-CN" altLang="en-US" smtClean="0"/>
-              <a:t>2023/5/5</a:t>
+              <a:t>2023/5/6</a:t>
             </a:fld>
             <a:endParaRPr lang="zh-CN" altLang="en-US"/>
           </a:p>
@@ -852,7 +937,7 @@
           <a:p>
             <a:fld id="{91F2D3A6-27B0-491F-A395-1184F68D32E9}" type="datetimeFigureOut">
               <a:rPr lang="zh-CN" altLang="en-US" smtClean="0"/>
-              <a:t>2023/5/5</a:t>
+              <a:t>2023/5/6</a:t>
             </a:fld>
             <a:endParaRPr lang="zh-CN" altLang="en-US"/>
           </a:p>
@@ -1032,7 +1117,7 @@
           <a:p>
             <a:fld id="{91F2D3A6-27B0-491F-A395-1184F68D32E9}" type="datetimeFigureOut">
               <a:rPr lang="zh-CN" altLang="en-US" smtClean="0"/>
-              <a:t>2023/5/5</a:t>
+              <a:t>2023/5/6</a:t>
             </a:fld>
             <a:endParaRPr lang="zh-CN" altLang="en-US"/>
           </a:p>
@@ -1202,7 +1287,7 @@
           <a:p>
             <a:fld id="{91F2D3A6-27B0-491F-A395-1184F68D32E9}" type="datetimeFigureOut">
               <a:rPr lang="zh-CN" altLang="en-US" smtClean="0"/>
-              <a:t>2023/5/5</a:t>
+              <a:t>2023/5/6</a:t>
             </a:fld>
             <a:endParaRPr lang="zh-CN" altLang="en-US"/>
           </a:p>
@@ -1448,7 +1533,7 @@
           <a:p>
             <a:fld id="{91F2D3A6-27B0-491F-A395-1184F68D32E9}" type="datetimeFigureOut">
               <a:rPr lang="zh-CN" altLang="en-US" smtClean="0"/>
-              <a:t>2023/5/5</a:t>
+              <a:t>2023/5/6</a:t>
             </a:fld>
             <a:endParaRPr lang="zh-CN" altLang="en-US"/>
           </a:p>
@@ -1680,7 +1765,7 @@
           <a:p>
             <a:fld id="{91F2D3A6-27B0-491F-A395-1184F68D32E9}" type="datetimeFigureOut">
               <a:rPr lang="zh-CN" altLang="en-US" smtClean="0"/>
-              <a:t>2023/5/5</a:t>
+              <a:t>2023/5/6</a:t>
             </a:fld>
             <a:endParaRPr lang="zh-CN" altLang="en-US"/>
           </a:p>
@@ -2047,7 +2132,7 @@
           <a:p>
             <a:fld id="{91F2D3A6-27B0-491F-A395-1184F68D32E9}" type="datetimeFigureOut">
               <a:rPr lang="zh-CN" altLang="en-US" smtClean="0"/>
-              <a:t>2023/5/5</a:t>
+              <a:t>2023/5/6</a:t>
             </a:fld>
             <a:endParaRPr lang="zh-CN" altLang="en-US"/>
           </a:p>
@@ -2165,7 +2250,7 @@
           <a:p>
             <a:fld id="{91F2D3A6-27B0-491F-A395-1184F68D32E9}" type="datetimeFigureOut">
               <a:rPr lang="zh-CN" altLang="en-US" smtClean="0"/>
-              <a:t>2023/5/5</a:t>
+              <a:t>2023/5/6</a:t>
             </a:fld>
             <a:endParaRPr lang="zh-CN" altLang="en-US"/>
           </a:p>
@@ -2260,7 +2345,7 @@
           <a:p>
             <a:fld id="{91F2D3A6-27B0-491F-A395-1184F68D32E9}" type="datetimeFigureOut">
               <a:rPr lang="zh-CN" altLang="en-US" smtClean="0"/>
-              <a:t>2023/5/5</a:t>
+              <a:t>2023/5/6</a:t>
             </a:fld>
             <a:endParaRPr lang="zh-CN" altLang="en-US"/>
           </a:p>
@@ -2537,7 +2622,7 @@
           <a:p>
             <a:fld id="{91F2D3A6-27B0-491F-A395-1184F68D32E9}" type="datetimeFigureOut">
               <a:rPr lang="zh-CN" altLang="en-US" smtClean="0"/>
-              <a:t>2023/5/5</a:t>
+              <a:t>2023/5/6</a:t>
             </a:fld>
             <a:endParaRPr lang="zh-CN" altLang="en-US"/>
           </a:p>
@@ -2790,7 +2875,7 @@
           <a:p>
             <a:fld id="{91F2D3A6-27B0-491F-A395-1184F68D32E9}" type="datetimeFigureOut">
               <a:rPr lang="zh-CN" altLang="en-US" smtClean="0"/>
-              <a:t>2023/5/5</a:t>
+              <a:t>2023/5/6</a:t>
             </a:fld>
             <a:endParaRPr lang="zh-CN" altLang="en-US"/>
           </a:p>
@@ -3003,7 +3088,7 @@
           <a:p>
             <a:fld id="{91F2D3A6-27B0-491F-A395-1184F68D32E9}" type="datetimeFigureOut">
               <a:rPr lang="zh-CN" altLang="en-US" smtClean="0"/>
-              <a:t>2023/5/5</a:t>
+              <a:t>2023/5/6</a:t>
             </a:fld>
             <a:endParaRPr lang="zh-CN" altLang="en-US"/>
           </a:p>
@@ -8197,6 +8282,773 @@
     <p:extLst>
       <p:ext uri="{BB962C8B-B14F-4D97-AF65-F5344CB8AC3E}">
         <p14:creationId xmlns:p14="http://schemas.microsoft.com/office/powerpoint/2010/main" val="3897042172"/>
+      </p:ext>
+    </p:extLst>
+  </p:cSld>
+  <p:clrMapOvr>
+    <a:masterClrMapping/>
+  </p:clrMapOvr>
+</p:sld>
+</file>
+
+<file path=ppt/slides/slide4.xml><?xml version="1.0" encoding="utf-8"?>
+<p:sld xmlns:a="http://schemas.openxmlformats.org/drawingml/2006/main" xmlns:r="http://schemas.openxmlformats.org/officeDocument/2006/relationships" xmlns:p="http://schemas.openxmlformats.org/presentationml/2006/main">
+  <p:cSld>
+    <p:spTree>
+      <p:nvGrpSpPr>
+        <p:cNvPr id="1" name=""/>
+        <p:cNvGrpSpPr/>
+        <p:nvPr/>
+      </p:nvGrpSpPr>
+      <p:grpSpPr>
+        <a:xfrm>
+          <a:off x="0" y="0"/>
+          <a:ext cx="0" cy="0"/>
+          <a:chOff x="0" y="0"/>
+          <a:chExt cx="0" cy="0"/>
+        </a:xfrm>
+      </p:grpSpPr>
+      <p:pic>
+        <p:nvPicPr>
+          <p:cNvPr id="3" name="图片 2"/>
+          <p:cNvPicPr>
+            <a:picLocks noChangeAspect="1"/>
+          </p:cNvPicPr>
+          <p:nvPr/>
+        </p:nvPicPr>
+        <p:blipFill>
+          <a:blip r:embed="rId3" cstate="print">
+            <a:extLst>
+              <a:ext uri="{28A0092B-C50C-407E-A947-70E740481C1C}">
+                <a14:useLocalDpi xmlns:a14="http://schemas.microsoft.com/office/drawing/2010/main" val="0"/>
+              </a:ext>
+            </a:extLst>
+          </a:blip>
+          <a:stretch>
+            <a:fillRect/>
+          </a:stretch>
+        </p:blipFill>
+        <p:spPr>
+          <a:xfrm>
+            <a:off x="73668" y="69368"/>
+            <a:ext cx="3615463" cy="3663456"/>
+          </a:xfrm>
+          <a:prstGeom prst="rect">
+            <a:avLst/>
+          </a:prstGeom>
+        </p:spPr>
+      </p:pic>
+      <p:sp>
+        <p:nvSpPr>
+          <p:cNvPr id="4" name="椭圆 3"/>
+          <p:cNvSpPr/>
+          <p:nvPr/>
+        </p:nvSpPr>
+        <p:spPr>
+          <a:xfrm>
+            <a:off x="485578" y="4155791"/>
+            <a:ext cx="920706" cy="775662"/>
+          </a:xfrm>
+          <a:prstGeom prst="ellipse">
+            <a:avLst/>
+          </a:prstGeom>
+        </p:spPr>
+        <p:style>
+          <a:lnRef idx="2">
+            <a:schemeClr val="accent1">
+              <a:shade val="50000"/>
+            </a:schemeClr>
+          </a:lnRef>
+          <a:fillRef idx="1">
+            <a:schemeClr val="accent1"/>
+          </a:fillRef>
+          <a:effectRef idx="0">
+            <a:schemeClr val="accent1"/>
+          </a:effectRef>
+          <a:fontRef idx="minor">
+            <a:schemeClr val="lt1"/>
+          </a:fontRef>
+        </p:style>
+        <p:txBody>
+          <a:bodyPr rtlCol="0" anchor="ctr"/>
+          <a:lstStyle/>
+          <a:p>
+            <a:pPr algn="ctr"/>
+            <a:r>
+              <a:rPr lang="en-US" altLang="zh-CN" sz="1050" dirty="0" err="1" smtClean="0"/>
+              <a:t>softmax</a:t>
+            </a:r>
+            <a:endParaRPr lang="zh-CN" altLang="en-US" sz="1050" dirty="0"/>
+          </a:p>
+        </p:txBody>
+      </p:sp>
+      <p:sp>
+        <p:nvSpPr>
+          <p:cNvPr id="54" name="椭圆 53"/>
+          <p:cNvSpPr/>
+          <p:nvPr/>
+        </p:nvSpPr>
+        <p:spPr>
+          <a:xfrm>
+            <a:off x="2043211" y="5761877"/>
+            <a:ext cx="983768" cy="490834"/>
+          </a:xfrm>
+          <a:prstGeom prst="ellipse">
+            <a:avLst/>
+          </a:prstGeom>
+        </p:spPr>
+        <p:style>
+          <a:lnRef idx="2">
+            <a:schemeClr val="accent1">
+              <a:shade val="50000"/>
+            </a:schemeClr>
+          </a:lnRef>
+          <a:fillRef idx="1">
+            <a:schemeClr val="accent1"/>
+          </a:fillRef>
+          <a:effectRef idx="0">
+            <a:schemeClr val="accent1"/>
+          </a:effectRef>
+          <a:fontRef idx="minor">
+            <a:schemeClr val="lt1"/>
+          </a:fontRef>
+        </p:style>
+        <p:txBody>
+          <a:bodyPr rtlCol="0" anchor="ctr"/>
+          <a:lstStyle/>
+          <a:p>
+            <a:pPr algn="ctr"/>
+            <a:r>
+              <a:rPr lang="en-US" altLang="zh-CN" sz="1050" dirty="0" smtClean="0"/>
+              <a:t>Loss</a:t>
+            </a:r>
+            <a:endParaRPr lang="zh-CN" altLang="en-US" sz="1050" dirty="0"/>
+          </a:p>
+        </p:txBody>
+      </p:sp>
+      <p:cxnSp>
+        <p:nvCxnSpPr>
+          <p:cNvPr id="10" name="直接箭头连接符 9"/>
+          <p:cNvCxnSpPr>
+            <a:stCxn id="4" idx="4"/>
+          </p:cNvCxnSpPr>
+          <p:nvPr/>
+        </p:nvCxnSpPr>
+        <p:spPr>
+          <a:xfrm>
+            <a:off x="945931" y="4931453"/>
+            <a:ext cx="1128811" cy="954339"/>
+          </a:xfrm>
+          <a:prstGeom prst="straightConnector1">
+            <a:avLst/>
+          </a:prstGeom>
+          <a:ln>
+            <a:tailEnd type="triangle"/>
+          </a:ln>
+        </p:spPr>
+        <p:style>
+          <a:lnRef idx="1">
+            <a:schemeClr val="accent1"/>
+          </a:lnRef>
+          <a:fillRef idx="0">
+            <a:schemeClr val="accent1"/>
+          </a:fillRef>
+          <a:effectRef idx="0">
+            <a:schemeClr val="accent1"/>
+          </a:effectRef>
+          <a:fontRef idx="minor">
+            <a:schemeClr val="tx1"/>
+          </a:fontRef>
+        </p:style>
+      </p:cxnSp>
+      <p:sp>
+        <p:nvSpPr>
+          <p:cNvPr id="11" name="文本框 10"/>
+          <p:cNvSpPr txBox="1"/>
+          <p:nvPr/>
+        </p:nvSpPr>
+        <p:spPr>
+          <a:xfrm>
+            <a:off x="1458256" y="5184753"/>
+            <a:ext cx="942887" cy="369332"/>
+          </a:xfrm>
+          <a:prstGeom prst="rect">
+            <a:avLst/>
+          </a:prstGeom>
+          <a:noFill/>
+        </p:spPr>
+        <p:txBody>
+          <a:bodyPr wrap="none" rtlCol="0">
+            <a:spAutoFit/>
+          </a:bodyPr>
+          <a:lstStyle/>
+          <a:p>
+            <a:r>
+              <a:rPr lang="en-US" altLang="zh-CN" dirty="0" smtClean="0"/>
+              <a:t>output0</a:t>
+            </a:r>
+            <a:endParaRPr lang="zh-CN" altLang="en-US" dirty="0"/>
+          </a:p>
+        </p:txBody>
+      </p:sp>
+      <p:sp>
+        <p:nvSpPr>
+          <p:cNvPr id="61" name="椭圆 60"/>
+          <p:cNvSpPr/>
+          <p:nvPr/>
+        </p:nvSpPr>
+        <p:spPr>
+          <a:xfrm>
+            <a:off x="4732680" y="3414969"/>
+            <a:ext cx="920706" cy="775662"/>
+          </a:xfrm>
+          <a:prstGeom prst="ellipse">
+            <a:avLst/>
+          </a:prstGeom>
+        </p:spPr>
+        <p:style>
+          <a:lnRef idx="2">
+            <a:schemeClr val="accent1">
+              <a:shade val="50000"/>
+            </a:schemeClr>
+          </a:lnRef>
+          <a:fillRef idx="1">
+            <a:schemeClr val="accent1"/>
+          </a:fillRef>
+          <a:effectRef idx="0">
+            <a:schemeClr val="accent1"/>
+          </a:effectRef>
+          <a:fontRef idx="minor">
+            <a:schemeClr val="lt1"/>
+          </a:fontRef>
+        </p:style>
+        <p:txBody>
+          <a:bodyPr rtlCol="0" anchor="ctr"/>
+          <a:lstStyle/>
+          <a:p>
+            <a:pPr algn="ctr"/>
+            <a:r>
+              <a:rPr lang="en-US" altLang="zh-CN" sz="1050" dirty="0" err="1" smtClean="0"/>
+              <a:t>softmax</a:t>
+            </a:r>
+            <a:endParaRPr lang="zh-CN" altLang="en-US" sz="1050" dirty="0"/>
+          </a:p>
+        </p:txBody>
+      </p:sp>
+      <p:sp>
+        <p:nvSpPr>
+          <p:cNvPr id="64" name="椭圆 63"/>
+          <p:cNvSpPr/>
+          <p:nvPr/>
+        </p:nvSpPr>
+        <p:spPr>
+          <a:xfrm>
+            <a:off x="3999186" y="6007294"/>
+            <a:ext cx="504497" cy="490834"/>
+          </a:xfrm>
+          <a:prstGeom prst="ellipse">
+            <a:avLst/>
+          </a:prstGeom>
+        </p:spPr>
+        <p:style>
+          <a:lnRef idx="2">
+            <a:schemeClr val="accent1">
+              <a:shade val="50000"/>
+            </a:schemeClr>
+          </a:lnRef>
+          <a:fillRef idx="1">
+            <a:schemeClr val="accent1"/>
+          </a:fillRef>
+          <a:effectRef idx="0">
+            <a:schemeClr val="accent1"/>
+          </a:effectRef>
+          <a:fontRef idx="minor">
+            <a:schemeClr val="lt1"/>
+          </a:fontRef>
+        </p:style>
+        <p:txBody>
+          <a:bodyPr rtlCol="0" anchor="ctr"/>
+          <a:lstStyle/>
+          <a:p>
+            <a:pPr algn="ctr"/>
+            <a:r>
+              <a:rPr lang="en-US" altLang="zh-CN" sz="1050" dirty="0" smtClean="0"/>
+              <a:t>+</a:t>
+            </a:r>
+            <a:endParaRPr lang="zh-CN" altLang="en-US" sz="1050" dirty="0"/>
+          </a:p>
+        </p:txBody>
+      </p:sp>
+      <p:cxnSp>
+        <p:nvCxnSpPr>
+          <p:cNvPr id="65" name="直接箭头连接符 64"/>
+          <p:cNvCxnSpPr>
+            <a:stCxn id="54" idx="6"/>
+            <a:endCxn id="64" idx="2"/>
+          </p:cNvCxnSpPr>
+          <p:nvPr/>
+        </p:nvCxnSpPr>
+        <p:spPr>
+          <a:xfrm>
+            <a:off x="3026979" y="6007294"/>
+            <a:ext cx="972207" cy="245417"/>
+          </a:xfrm>
+          <a:prstGeom prst="straightConnector1">
+            <a:avLst/>
+          </a:prstGeom>
+          <a:ln>
+            <a:tailEnd type="triangle"/>
+          </a:ln>
+        </p:spPr>
+        <p:style>
+          <a:lnRef idx="1">
+            <a:schemeClr val="accent1"/>
+          </a:lnRef>
+          <a:fillRef idx="0">
+            <a:schemeClr val="accent1"/>
+          </a:fillRef>
+          <a:effectRef idx="0">
+            <a:schemeClr val="accent1"/>
+          </a:effectRef>
+          <a:fontRef idx="minor">
+            <a:schemeClr val="tx1"/>
+          </a:fontRef>
+        </p:style>
+      </p:cxnSp>
+      <p:sp>
+        <p:nvSpPr>
+          <p:cNvPr id="68" name="文本框 67"/>
+          <p:cNvSpPr txBox="1"/>
+          <p:nvPr/>
+        </p:nvSpPr>
+        <p:spPr>
+          <a:xfrm>
+            <a:off x="3172022" y="5674227"/>
+            <a:ext cx="655949" cy="369332"/>
+          </a:xfrm>
+          <a:prstGeom prst="rect">
+            <a:avLst/>
+          </a:prstGeom>
+          <a:noFill/>
+        </p:spPr>
+        <p:txBody>
+          <a:bodyPr wrap="none" rtlCol="0">
+            <a:spAutoFit/>
+          </a:bodyPr>
+          <a:lstStyle/>
+          <a:p>
+            <a:r>
+              <a:rPr lang="en-US" altLang="zh-CN" dirty="0" smtClean="0"/>
+              <a:t>loss0</a:t>
+            </a:r>
+            <a:endParaRPr lang="zh-CN" altLang="en-US" dirty="0"/>
+          </a:p>
+        </p:txBody>
+      </p:sp>
+      <p:sp>
+        <p:nvSpPr>
+          <p:cNvPr id="72" name="文本框 71"/>
+          <p:cNvSpPr txBox="1"/>
+          <p:nvPr/>
+        </p:nvSpPr>
+        <p:spPr>
+          <a:xfrm>
+            <a:off x="713306" y="5905558"/>
+            <a:ext cx="861646" cy="369332"/>
+          </a:xfrm>
+          <a:prstGeom prst="rect">
+            <a:avLst/>
+          </a:prstGeom>
+          <a:noFill/>
+        </p:spPr>
+        <p:txBody>
+          <a:bodyPr wrap="none" rtlCol="0">
+            <a:spAutoFit/>
+          </a:bodyPr>
+          <a:lstStyle/>
+          <a:p>
+            <a:r>
+              <a:rPr lang="en-US" altLang="zh-CN" dirty="0" smtClean="0"/>
+              <a:t>target0</a:t>
+            </a:r>
+            <a:endParaRPr lang="zh-CN" altLang="en-US" dirty="0"/>
+          </a:p>
+        </p:txBody>
+      </p:sp>
+      <p:cxnSp>
+        <p:nvCxnSpPr>
+          <p:cNvPr id="73" name="直接箭头连接符 72"/>
+          <p:cNvCxnSpPr/>
+          <p:nvPr/>
+        </p:nvCxnSpPr>
+        <p:spPr>
+          <a:xfrm flipV="1">
+            <a:off x="616957" y="6093584"/>
+            <a:ext cx="1457785" cy="526569"/>
+          </a:xfrm>
+          <a:prstGeom prst="straightConnector1">
+            <a:avLst/>
+          </a:prstGeom>
+          <a:ln>
+            <a:tailEnd type="triangle"/>
+          </a:ln>
+        </p:spPr>
+        <p:style>
+          <a:lnRef idx="1">
+            <a:schemeClr val="accent1"/>
+          </a:lnRef>
+          <a:fillRef idx="0">
+            <a:schemeClr val="accent1"/>
+          </a:fillRef>
+          <a:effectRef idx="0">
+            <a:schemeClr val="accent1"/>
+          </a:effectRef>
+          <a:fontRef idx="minor">
+            <a:schemeClr val="tx1"/>
+          </a:fontRef>
+        </p:style>
+      </p:cxnSp>
+      <p:cxnSp>
+        <p:nvCxnSpPr>
+          <p:cNvPr id="75" name="直接箭头连接符 74"/>
+          <p:cNvCxnSpPr/>
+          <p:nvPr/>
+        </p:nvCxnSpPr>
+        <p:spPr>
+          <a:xfrm>
+            <a:off x="4478562" y="6265535"/>
+            <a:ext cx="1581703" cy="232593"/>
+          </a:xfrm>
+          <a:prstGeom prst="straightConnector1">
+            <a:avLst/>
+          </a:prstGeom>
+          <a:ln>
+            <a:tailEnd type="triangle"/>
+          </a:ln>
+        </p:spPr>
+        <p:style>
+          <a:lnRef idx="1">
+            <a:schemeClr val="accent1"/>
+          </a:lnRef>
+          <a:fillRef idx="0">
+            <a:schemeClr val="accent1"/>
+          </a:fillRef>
+          <a:effectRef idx="0">
+            <a:schemeClr val="accent1"/>
+          </a:effectRef>
+          <a:fontRef idx="minor">
+            <a:schemeClr val="tx1"/>
+          </a:fontRef>
+        </p:style>
+      </p:cxnSp>
+      <p:cxnSp>
+        <p:nvCxnSpPr>
+          <p:cNvPr id="76" name="直接箭头连接符 75"/>
+          <p:cNvCxnSpPr>
+            <a:stCxn id="61" idx="5"/>
+            <a:endCxn id="81" idx="0"/>
+          </p:cNvCxnSpPr>
+          <p:nvPr/>
+        </p:nvCxnSpPr>
+        <p:spPr>
+          <a:xfrm>
+            <a:off x="5518552" y="4077038"/>
+            <a:ext cx="480172" cy="579786"/>
+          </a:xfrm>
+          <a:prstGeom prst="straightConnector1">
+            <a:avLst/>
+          </a:prstGeom>
+          <a:ln>
+            <a:tailEnd type="triangle"/>
+          </a:ln>
+        </p:spPr>
+        <p:style>
+          <a:lnRef idx="1">
+            <a:schemeClr val="accent1"/>
+          </a:lnRef>
+          <a:fillRef idx="0">
+            <a:schemeClr val="accent1"/>
+          </a:fillRef>
+          <a:effectRef idx="0">
+            <a:schemeClr val="accent1"/>
+          </a:effectRef>
+          <a:fontRef idx="minor">
+            <a:schemeClr val="tx1"/>
+          </a:fontRef>
+        </p:style>
+      </p:cxnSp>
+      <p:sp>
+        <p:nvSpPr>
+          <p:cNvPr id="81" name="椭圆 80"/>
+          <p:cNvSpPr/>
+          <p:nvPr/>
+        </p:nvSpPr>
+        <p:spPr>
+          <a:xfrm>
+            <a:off x="5506840" y="4656824"/>
+            <a:ext cx="983768" cy="490834"/>
+          </a:xfrm>
+          <a:prstGeom prst="ellipse">
+            <a:avLst/>
+          </a:prstGeom>
+        </p:spPr>
+        <p:style>
+          <a:lnRef idx="2">
+            <a:schemeClr val="accent1">
+              <a:shade val="50000"/>
+            </a:schemeClr>
+          </a:lnRef>
+          <a:fillRef idx="1">
+            <a:schemeClr val="accent1"/>
+          </a:fillRef>
+          <a:effectRef idx="0">
+            <a:schemeClr val="accent1"/>
+          </a:effectRef>
+          <a:fontRef idx="minor">
+            <a:schemeClr val="lt1"/>
+          </a:fontRef>
+        </p:style>
+        <p:txBody>
+          <a:bodyPr rtlCol="0" anchor="ctr"/>
+          <a:lstStyle/>
+          <a:p>
+            <a:pPr algn="ctr"/>
+            <a:r>
+              <a:rPr lang="en-US" altLang="zh-CN" sz="1050" dirty="0" smtClean="0"/>
+              <a:t>Loss</a:t>
+            </a:r>
+            <a:endParaRPr lang="zh-CN" altLang="en-US" sz="1050" dirty="0"/>
+          </a:p>
+        </p:txBody>
+      </p:sp>
+      <p:sp>
+        <p:nvSpPr>
+          <p:cNvPr id="88" name="文本框 87"/>
+          <p:cNvSpPr txBox="1"/>
+          <p:nvPr/>
+        </p:nvSpPr>
+        <p:spPr>
+          <a:xfrm>
+            <a:off x="5758638" y="4120982"/>
+            <a:ext cx="942887" cy="369332"/>
+          </a:xfrm>
+          <a:prstGeom prst="rect">
+            <a:avLst/>
+          </a:prstGeom>
+          <a:noFill/>
+        </p:spPr>
+        <p:txBody>
+          <a:bodyPr wrap="none" rtlCol="0">
+            <a:spAutoFit/>
+          </a:bodyPr>
+          <a:lstStyle/>
+          <a:p>
+            <a:r>
+              <a:rPr lang="en-US" altLang="zh-CN" dirty="0" smtClean="0"/>
+              <a:t>output1</a:t>
+            </a:r>
+            <a:endParaRPr lang="zh-CN" altLang="en-US" dirty="0"/>
+          </a:p>
+        </p:txBody>
+      </p:sp>
+      <p:cxnSp>
+        <p:nvCxnSpPr>
+          <p:cNvPr id="89" name="直接箭头连接符 88"/>
+          <p:cNvCxnSpPr>
+            <a:endCxn id="81" idx="1"/>
+          </p:cNvCxnSpPr>
+          <p:nvPr/>
+        </p:nvCxnSpPr>
+        <p:spPr>
+          <a:xfrm>
+            <a:off x="4503683" y="4239326"/>
+            <a:ext cx="1147226" cy="489379"/>
+          </a:xfrm>
+          <a:prstGeom prst="straightConnector1">
+            <a:avLst/>
+          </a:prstGeom>
+          <a:ln>
+            <a:tailEnd type="triangle"/>
+          </a:ln>
+        </p:spPr>
+        <p:style>
+          <a:lnRef idx="1">
+            <a:schemeClr val="accent1"/>
+          </a:lnRef>
+          <a:fillRef idx="0">
+            <a:schemeClr val="accent1"/>
+          </a:fillRef>
+          <a:effectRef idx="0">
+            <a:schemeClr val="accent1"/>
+          </a:effectRef>
+          <a:fontRef idx="minor">
+            <a:schemeClr val="tx1"/>
+          </a:fontRef>
+        </p:style>
+      </p:cxnSp>
+      <p:sp>
+        <p:nvSpPr>
+          <p:cNvPr id="90" name="文本框 89"/>
+          <p:cNvSpPr txBox="1"/>
+          <p:nvPr/>
+        </p:nvSpPr>
+        <p:spPr>
+          <a:xfrm>
+            <a:off x="4346126" y="4460593"/>
+            <a:ext cx="861646" cy="369332"/>
+          </a:xfrm>
+          <a:prstGeom prst="rect">
+            <a:avLst/>
+          </a:prstGeom>
+          <a:noFill/>
+        </p:spPr>
+        <p:txBody>
+          <a:bodyPr wrap="none" rtlCol="0">
+            <a:spAutoFit/>
+          </a:bodyPr>
+          <a:lstStyle/>
+          <a:p>
+            <a:r>
+              <a:rPr lang="en-US" altLang="zh-CN" dirty="0" smtClean="0"/>
+              <a:t>target1</a:t>
+            </a:r>
+            <a:endParaRPr lang="zh-CN" altLang="en-US" dirty="0"/>
+          </a:p>
+        </p:txBody>
+      </p:sp>
+      <p:cxnSp>
+        <p:nvCxnSpPr>
+          <p:cNvPr id="91" name="直接箭头连接符 90"/>
+          <p:cNvCxnSpPr>
+            <a:stCxn id="81" idx="3"/>
+            <a:endCxn id="64" idx="0"/>
+          </p:cNvCxnSpPr>
+          <p:nvPr/>
+        </p:nvCxnSpPr>
+        <p:spPr>
+          <a:xfrm flipH="1">
+            <a:off x="4251435" y="5075777"/>
+            <a:ext cx="1399474" cy="931517"/>
+          </a:xfrm>
+          <a:prstGeom prst="straightConnector1">
+            <a:avLst/>
+          </a:prstGeom>
+          <a:ln>
+            <a:tailEnd type="triangle"/>
+          </a:ln>
+        </p:spPr>
+        <p:style>
+          <a:lnRef idx="1">
+            <a:schemeClr val="accent1"/>
+          </a:lnRef>
+          <a:fillRef idx="0">
+            <a:schemeClr val="accent1"/>
+          </a:fillRef>
+          <a:effectRef idx="0">
+            <a:schemeClr val="accent1"/>
+          </a:effectRef>
+          <a:fontRef idx="minor">
+            <a:schemeClr val="tx1"/>
+          </a:fontRef>
+        </p:style>
+      </p:cxnSp>
+      <p:sp>
+        <p:nvSpPr>
+          <p:cNvPr id="93" name="文本框 92"/>
+          <p:cNvSpPr txBox="1"/>
+          <p:nvPr/>
+        </p:nvSpPr>
+        <p:spPr>
+          <a:xfrm>
+            <a:off x="4251434" y="5223956"/>
+            <a:ext cx="655949" cy="369332"/>
+          </a:xfrm>
+          <a:prstGeom prst="rect">
+            <a:avLst/>
+          </a:prstGeom>
+          <a:noFill/>
+        </p:spPr>
+        <p:txBody>
+          <a:bodyPr wrap="none" rtlCol="0">
+            <a:spAutoFit/>
+          </a:bodyPr>
+          <a:lstStyle/>
+          <a:p>
+            <a:r>
+              <a:rPr lang="en-US" altLang="zh-CN" dirty="0" smtClean="0"/>
+              <a:t>loss1</a:t>
+            </a:r>
+            <a:endParaRPr lang="zh-CN" altLang="en-US" dirty="0"/>
+          </a:p>
+        </p:txBody>
+      </p:sp>
+      <p:sp>
+        <p:nvSpPr>
+          <p:cNvPr id="95" name="文本框 94"/>
+          <p:cNvSpPr txBox="1"/>
+          <p:nvPr/>
+        </p:nvSpPr>
+        <p:spPr>
+          <a:xfrm>
+            <a:off x="4800178" y="5970807"/>
+            <a:ext cx="1814664" cy="369332"/>
+          </a:xfrm>
+          <a:prstGeom prst="rect">
+            <a:avLst/>
+          </a:prstGeom>
+          <a:noFill/>
+        </p:spPr>
+        <p:txBody>
+          <a:bodyPr wrap="none" rtlCol="0">
+            <a:spAutoFit/>
+          </a:bodyPr>
+          <a:lstStyle/>
+          <a:p>
+            <a:r>
+              <a:rPr lang="en-US" altLang="zh-CN" dirty="0" smtClean="0"/>
+              <a:t>LOSS=loss0+loss1</a:t>
+            </a:r>
+            <a:endParaRPr lang="zh-CN" altLang="en-US" dirty="0"/>
+          </a:p>
+        </p:txBody>
+      </p:sp>
+      <p:cxnSp>
+        <p:nvCxnSpPr>
+          <p:cNvPr id="99" name="直接箭头连接符 98"/>
+          <p:cNvCxnSpPr/>
+          <p:nvPr/>
+        </p:nvCxnSpPr>
+        <p:spPr>
+          <a:xfrm flipH="1" flipV="1">
+            <a:off x="4503684" y="6457565"/>
+            <a:ext cx="1495040" cy="260093"/>
+          </a:xfrm>
+          <a:prstGeom prst="straightConnector1">
+            <a:avLst/>
+          </a:prstGeom>
+          <a:ln>
+            <a:tailEnd type="triangle"/>
+          </a:ln>
+        </p:spPr>
+        <p:style>
+          <a:lnRef idx="3">
+            <a:schemeClr val="accent2"/>
+          </a:lnRef>
+          <a:fillRef idx="0">
+            <a:schemeClr val="accent2"/>
+          </a:fillRef>
+          <a:effectRef idx="2">
+            <a:schemeClr val="accent2"/>
+          </a:effectRef>
+          <a:fontRef idx="minor">
+            <a:schemeClr val="tx1"/>
+          </a:fontRef>
+        </p:style>
+      </p:cxnSp>
+    </p:spTree>
+    <p:extLst>
+      <p:ext uri="{BB962C8B-B14F-4D97-AF65-F5344CB8AC3E}">
+        <p14:creationId xmlns:p14="http://schemas.microsoft.com/office/powerpoint/2010/main" val="3321105583"/>
       </p:ext>
     </p:extLst>
   </p:cSld>

--- a/RNN网络结构示例.pptx
+++ b/RNN网络结构示例.pptx
@@ -5,13 +5,14 @@
     <p:sldMasterId id="2147483648" r:id="rId1"/>
   </p:sldMasterIdLst>
   <p:notesMasterIdLst>
-    <p:notesMasterId r:id="rId6"/>
+    <p:notesMasterId r:id="rId7"/>
   </p:notesMasterIdLst>
   <p:sldIdLst>
     <p:sldId id="256" r:id="rId2"/>
     <p:sldId id="257" r:id="rId3"/>
     <p:sldId id="258" r:id="rId4"/>
     <p:sldId id="259" r:id="rId5"/>
+    <p:sldId id="260" r:id="rId6"/>
   </p:sldIdLst>
   <p:sldSz cx="12192000" cy="6858000"/>
   <p:notesSz cx="6858000" cy="9144000"/>
@@ -200,7 +201,7 @@
           <a:p>
             <a:fld id="{55930555-BEF3-45EC-8211-93EC7D2D7F7D}" type="datetimeFigureOut">
               <a:rPr lang="zh-CN" altLang="en-US" smtClean="0"/>
-              <a:t>2023/5/6</a:t>
+              <a:t>2023/5/13</a:t>
             </a:fld>
             <a:endParaRPr lang="zh-CN" altLang="en-US"/>
           </a:p>
@@ -636,6 +637,90 @@
 </p:notes>
 </file>
 
+<file path=ppt/notesSlides/notesSlide3.xml><?xml version="1.0" encoding="utf-8"?>
+<p:notes xmlns:a="http://schemas.openxmlformats.org/drawingml/2006/main" xmlns:r="http://schemas.openxmlformats.org/officeDocument/2006/relationships" xmlns:p="http://schemas.openxmlformats.org/presentationml/2006/main">
+  <p:cSld>
+    <p:spTree>
+      <p:nvGrpSpPr>
+        <p:cNvPr id="1" name=""/>
+        <p:cNvGrpSpPr/>
+        <p:nvPr/>
+      </p:nvGrpSpPr>
+      <p:grpSpPr>
+        <a:xfrm>
+          <a:off x="0" y="0"/>
+          <a:ext cx="0" cy="0"/>
+          <a:chOff x="0" y="0"/>
+          <a:chExt cx="0" cy="0"/>
+        </a:xfrm>
+      </p:grpSpPr>
+      <p:sp>
+        <p:nvSpPr>
+          <p:cNvPr id="2" name="幻灯片图像占位符 1"/>
+          <p:cNvSpPr>
+            <a:spLocks noGrp="1" noRot="1" noChangeAspect="1"/>
+          </p:cNvSpPr>
+          <p:nvPr>
+            <p:ph type="sldImg"/>
+          </p:nvPr>
+        </p:nvSpPr>
+        <p:spPr/>
+      </p:sp>
+      <p:sp>
+        <p:nvSpPr>
+          <p:cNvPr id="3" name="备注占位符 2"/>
+          <p:cNvSpPr>
+            <a:spLocks noGrp="1"/>
+          </p:cNvSpPr>
+          <p:nvPr>
+            <p:ph type="body" idx="1"/>
+          </p:nvPr>
+        </p:nvSpPr>
+        <p:spPr/>
+        <p:txBody>
+          <a:bodyPr/>
+          <a:lstStyle/>
+          <a:p>
+            <a:endParaRPr lang="zh-CN" altLang="en-US"/>
+          </a:p>
+        </p:txBody>
+      </p:sp>
+      <p:sp>
+        <p:nvSpPr>
+          <p:cNvPr id="4" name="灯片编号占位符 3"/>
+          <p:cNvSpPr>
+            <a:spLocks noGrp="1"/>
+          </p:cNvSpPr>
+          <p:nvPr>
+            <p:ph type="sldNum" sz="quarter" idx="10"/>
+          </p:nvPr>
+        </p:nvSpPr>
+        <p:spPr/>
+        <p:txBody>
+          <a:bodyPr/>
+          <a:lstStyle/>
+          <a:p>
+            <a:fld id="{7DA44F2C-197A-4DCC-989F-80F56AC7386E}" type="slidenum">
+              <a:rPr lang="zh-CN" altLang="en-US" smtClean="0"/>
+              <a:t>5</a:t>
+            </a:fld>
+            <a:endParaRPr lang="zh-CN" altLang="en-US"/>
+          </a:p>
+        </p:txBody>
+      </p:sp>
+    </p:spTree>
+    <p:extLst>
+      <p:ext uri="{BB962C8B-B14F-4D97-AF65-F5344CB8AC3E}">
+        <p14:creationId xmlns:p14="http://schemas.microsoft.com/office/powerpoint/2010/main" val="3194712820"/>
+      </p:ext>
+    </p:extLst>
+  </p:cSld>
+  <p:clrMapOvr>
+    <a:masterClrMapping/>
+  </p:clrMapOvr>
+</p:notes>
+</file>
+
 <file path=ppt/slideLayouts/slideLayout1.xml><?xml version="1.0" encoding="utf-8"?>
 <p:sldLayout xmlns:a="http://schemas.openxmlformats.org/drawingml/2006/main" xmlns:r="http://schemas.openxmlformats.org/officeDocument/2006/relationships" xmlns:p="http://schemas.openxmlformats.org/presentationml/2006/main" type="title" preserve="1">
   <p:cSld name="标题幻灯片">
@@ -767,7 +852,7 @@
           <a:p>
             <a:fld id="{91F2D3A6-27B0-491F-A395-1184F68D32E9}" type="datetimeFigureOut">
               <a:rPr lang="zh-CN" altLang="en-US" smtClean="0"/>
-              <a:t>2023/5/6</a:t>
+              <a:t>2023/5/13</a:t>
             </a:fld>
             <a:endParaRPr lang="zh-CN" altLang="en-US"/>
           </a:p>
@@ -937,7 +1022,7 @@
           <a:p>
             <a:fld id="{91F2D3A6-27B0-491F-A395-1184F68D32E9}" type="datetimeFigureOut">
               <a:rPr lang="zh-CN" altLang="en-US" smtClean="0"/>
-              <a:t>2023/5/6</a:t>
+              <a:t>2023/5/13</a:t>
             </a:fld>
             <a:endParaRPr lang="zh-CN" altLang="en-US"/>
           </a:p>
@@ -1117,7 +1202,7 @@
           <a:p>
             <a:fld id="{91F2D3A6-27B0-491F-A395-1184F68D32E9}" type="datetimeFigureOut">
               <a:rPr lang="zh-CN" altLang="en-US" smtClean="0"/>
-              <a:t>2023/5/6</a:t>
+              <a:t>2023/5/13</a:t>
             </a:fld>
             <a:endParaRPr lang="zh-CN" altLang="en-US"/>
           </a:p>
@@ -1287,7 +1372,7 @@
           <a:p>
             <a:fld id="{91F2D3A6-27B0-491F-A395-1184F68D32E9}" type="datetimeFigureOut">
               <a:rPr lang="zh-CN" altLang="en-US" smtClean="0"/>
-              <a:t>2023/5/6</a:t>
+              <a:t>2023/5/13</a:t>
             </a:fld>
             <a:endParaRPr lang="zh-CN" altLang="en-US"/>
           </a:p>
@@ -1533,7 +1618,7 @@
           <a:p>
             <a:fld id="{91F2D3A6-27B0-491F-A395-1184F68D32E9}" type="datetimeFigureOut">
               <a:rPr lang="zh-CN" altLang="en-US" smtClean="0"/>
-              <a:t>2023/5/6</a:t>
+              <a:t>2023/5/13</a:t>
             </a:fld>
             <a:endParaRPr lang="zh-CN" altLang="en-US"/>
           </a:p>
@@ -1765,7 +1850,7 @@
           <a:p>
             <a:fld id="{91F2D3A6-27B0-491F-A395-1184F68D32E9}" type="datetimeFigureOut">
               <a:rPr lang="zh-CN" altLang="en-US" smtClean="0"/>
-              <a:t>2023/5/6</a:t>
+              <a:t>2023/5/13</a:t>
             </a:fld>
             <a:endParaRPr lang="zh-CN" altLang="en-US"/>
           </a:p>
@@ -2132,7 +2217,7 @@
           <a:p>
             <a:fld id="{91F2D3A6-27B0-491F-A395-1184F68D32E9}" type="datetimeFigureOut">
               <a:rPr lang="zh-CN" altLang="en-US" smtClean="0"/>
-              <a:t>2023/5/6</a:t>
+              <a:t>2023/5/13</a:t>
             </a:fld>
             <a:endParaRPr lang="zh-CN" altLang="en-US"/>
           </a:p>
@@ -2250,7 +2335,7 @@
           <a:p>
             <a:fld id="{91F2D3A6-27B0-491F-A395-1184F68D32E9}" type="datetimeFigureOut">
               <a:rPr lang="zh-CN" altLang="en-US" smtClean="0"/>
-              <a:t>2023/5/6</a:t>
+              <a:t>2023/5/13</a:t>
             </a:fld>
             <a:endParaRPr lang="zh-CN" altLang="en-US"/>
           </a:p>
@@ -2345,7 +2430,7 @@
           <a:p>
             <a:fld id="{91F2D3A6-27B0-491F-A395-1184F68D32E9}" type="datetimeFigureOut">
               <a:rPr lang="zh-CN" altLang="en-US" smtClean="0"/>
-              <a:t>2023/5/6</a:t>
+              <a:t>2023/5/13</a:t>
             </a:fld>
             <a:endParaRPr lang="zh-CN" altLang="en-US"/>
           </a:p>
@@ -2622,7 +2707,7 @@
           <a:p>
             <a:fld id="{91F2D3A6-27B0-491F-A395-1184F68D32E9}" type="datetimeFigureOut">
               <a:rPr lang="zh-CN" altLang="en-US" smtClean="0"/>
-              <a:t>2023/5/6</a:t>
+              <a:t>2023/5/13</a:t>
             </a:fld>
             <a:endParaRPr lang="zh-CN" altLang="en-US"/>
           </a:p>
@@ -2875,7 +2960,7 @@
           <a:p>
             <a:fld id="{91F2D3A6-27B0-491F-A395-1184F68D32E9}" type="datetimeFigureOut">
               <a:rPr lang="zh-CN" altLang="en-US" smtClean="0"/>
-              <a:t>2023/5/6</a:t>
+              <a:t>2023/5/13</a:t>
             </a:fld>
             <a:endParaRPr lang="zh-CN" altLang="en-US"/>
           </a:p>
@@ -3088,7 +3173,7 @@
           <a:p>
             <a:fld id="{91F2D3A6-27B0-491F-A395-1184F68D32E9}" type="datetimeFigureOut">
               <a:rPr lang="zh-CN" altLang="en-US" smtClean="0"/>
-              <a:t>2023/5/6</a:t>
+              <a:t>2023/5/13</a:t>
             </a:fld>
             <a:endParaRPr lang="zh-CN" altLang="en-US"/>
           </a:p>
@@ -9049,6 +9134,277 @@
     <p:extLst>
       <p:ext uri="{BB962C8B-B14F-4D97-AF65-F5344CB8AC3E}">
         <p14:creationId xmlns:p14="http://schemas.microsoft.com/office/powerpoint/2010/main" val="3321105583"/>
+      </p:ext>
+    </p:extLst>
+  </p:cSld>
+  <p:clrMapOvr>
+    <a:masterClrMapping/>
+  </p:clrMapOvr>
+</p:sld>
+</file>
+
+<file path=ppt/slides/slide5.xml><?xml version="1.0" encoding="utf-8"?>
+<p:sld xmlns:a="http://schemas.openxmlformats.org/drawingml/2006/main" xmlns:r="http://schemas.openxmlformats.org/officeDocument/2006/relationships" xmlns:p="http://schemas.openxmlformats.org/presentationml/2006/main">
+  <p:cSld>
+    <p:spTree>
+      <p:nvGrpSpPr>
+        <p:cNvPr id="1" name=""/>
+        <p:cNvGrpSpPr/>
+        <p:nvPr/>
+      </p:nvGrpSpPr>
+      <p:grpSpPr>
+        <a:xfrm>
+          <a:off x="0" y="0"/>
+          <a:ext cx="0" cy="0"/>
+          <a:chOff x="0" y="0"/>
+          <a:chExt cx="0" cy="0"/>
+        </a:xfrm>
+      </p:grpSpPr>
+      <p:pic>
+        <p:nvPicPr>
+          <p:cNvPr id="1026" name="Picture 2" descr="https://pytorch.org/tutorials/_images/encoder-network.png"/>
+          <p:cNvPicPr>
+            <a:picLocks noChangeAspect="1" noChangeArrowheads="1"/>
+          </p:cNvPicPr>
+          <p:nvPr/>
+        </p:nvPicPr>
+        <p:blipFill>
+          <a:blip r:embed="rId3">
+            <a:extLst>
+              <a:ext uri="{28A0092B-C50C-407E-A947-70E740481C1C}">
+                <a14:useLocalDpi xmlns:a14="http://schemas.microsoft.com/office/drawing/2010/main" val="0"/>
+              </a:ext>
+            </a:extLst>
+          </a:blip>
+          <a:srcRect/>
+          <a:stretch>
+            <a:fillRect/>
+          </a:stretch>
+        </p:blipFill>
+        <p:spPr bwMode="auto">
+          <a:xfrm>
+            <a:off x="180800" y="386047"/>
+            <a:ext cx="2038350" cy="1971676"/>
+          </a:xfrm>
+          <a:prstGeom prst="rect">
+            <a:avLst/>
+          </a:prstGeom>
+          <a:noFill/>
+          <a:extLst>
+            <a:ext uri="{909E8E84-426E-40DD-AFC4-6F175D3DCCD1}">
+              <a14:hiddenFill xmlns:a14="http://schemas.microsoft.com/office/drawing/2010/main">
+                <a:solidFill>
+                  <a:srgbClr val="FFFFFF"/>
+                </a:solidFill>
+              </a14:hiddenFill>
+            </a:ext>
+          </a:extLst>
+        </p:spPr>
+      </p:pic>
+      <p:sp>
+        <p:nvSpPr>
+          <p:cNvPr id="2" name="文本框 1"/>
+          <p:cNvSpPr txBox="1"/>
+          <p:nvPr/>
+        </p:nvSpPr>
+        <p:spPr>
+          <a:xfrm>
+            <a:off x="3991829" y="1595470"/>
+            <a:ext cx="5559151" cy="2308324"/>
+          </a:xfrm>
+          <a:prstGeom prst="rect">
+            <a:avLst/>
+          </a:prstGeom>
+          <a:noFill/>
+        </p:spPr>
+        <p:txBody>
+          <a:bodyPr wrap="none" rtlCol="0">
+            <a:spAutoFit/>
+          </a:bodyPr>
+          <a:lstStyle/>
+          <a:p>
+            <a:r>
+              <a:rPr lang="zh-CN" altLang="en-US" dirty="0" smtClean="0"/>
+              <a:t>法语句子：</a:t>
+            </a:r>
+            <a:r>
+              <a:rPr lang="en-US" altLang="zh-CN" dirty="0" err="1" smtClean="0"/>
+              <a:t>Comme</a:t>
+            </a:r>
+            <a:r>
+              <a:rPr lang="en-US" altLang="zh-CN" dirty="0" smtClean="0"/>
+              <a:t> </a:t>
+            </a:r>
+            <a:r>
+              <a:rPr lang="en-US" altLang="zh-CN" dirty="0" err="1"/>
+              <a:t>c'est</a:t>
+            </a:r>
+            <a:r>
+              <a:rPr lang="en-US" altLang="zh-CN" dirty="0"/>
+              <a:t> </a:t>
+            </a:r>
+            <a:r>
+              <a:rPr lang="en-US" altLang="zh-CN" dirty="0" err="1"/>
+              <a:t>chouette</a:t>
+            </a:r>
+            <a:r>
+              <a:rPr lang="en-US" altLang="zh-CN" dirty="0"/>
+              <a:t> </a:t>
+            </a:r>
+            <a:r>
+              <a:rPr lang="en-US" altLang="zh-CN" dirty="0" smtClean="0"/>
+              <a:t>!</a:t>
+            </a:r>
+          </a:p>
+          <a:p>
+            <a:endParaRPr lang="en-US" altLang="zh-CN" dirty="0"/>
+          </a:p>
+          <a:p>
+            <a:r>
+              <a:rPr lang="en-US" altLang="zh-CN" dirty="0" err="1" smtClean="0">
+                <a:solidFill>
+                  <a:srgbClr val="FF0000"/>
+                </a:solidFill>
+              </a:rPr>
+              <a:t>Encode_outputs</a:t>
+            </a:r>
+            <a:r>
+              <a:rPr lang="en-US" altLang="zh-CN" dirty="0" smtClean="0"/>
+              <a:t>=tensor([</a:t>
+            </a:r>
+          </a:p>
+          <a:p>
+            <a:r>
+              <a:rPr lang="en-US" altLang="zh-CN" dirty="0" smtClean="0"/>
+              <a:t>	[,,,….. ], #</a:t>
+            </a:r>
+            <a:r>
+              <a:rPr lang="en-US" altLang="zh-CN" dirty="0" err="1" smtClean="0"/>
+              <a:t>hidden_size</a:t>
+            </a:r>
+            <a:r>
+              <a:rPr lang="zh-CN" altLang="en-US" dirty="0" smtClean="0"/>
+              <a:t>宽的词向量（</a:t>
+            </a:r>
+            <a:r>
+              <a:rPr lang="en-US" altLang="zh-CN" dirty="0"/>
+              <a:t> </a:t>
+            </a:r>
+            <a:r>
+              <a:rPr lang="en-US" altLang="zh-CN" dirty="0" err="1" smtClean="0"/>
+              <a:t>Comme</a:t>
+            </a:r>
+            <a:r>
+              <a:rPr lang="en-US" altLang="zh-CN" dirty="0" smtClean="0"/>
+              <a:t>)</a:t>
+            </a:r>
+            <a:r>
+              <a:rPr lang="zh-CN" altLang="en-US" dirty="0" smtClean="0"/>
+              <a:t>，</a:t>
+            </a:r>
+            <a:endParaRPr lang="en-US" altLang="zh-CN" dirty="0" smtClean="0"/>
+          </a:p>
+          <a:p>
+            <a:r>
+              <a:rPr lang="en-US" altLang="zh-CN" dirty="0"/>
+              <a:t>	</a:t>
+            </a:r>
+            <a:r>
+              <a:rPr lang="en-US" altLang="zh-CN" dirty="0" smtClean="0"/>
+              <a:t>[,,,….. </a:t>
+            </a:r>
+            <a:r>
+              <a:rPr lang="en-US" altLang="zh-CN" dirty="0"/>
+              <a:t>], #</a:t>
+            </a:r>
+            <a:r>
+              <a:rPr lang="en-US" altLang="zh-CN" dirty="0" err="1"/>
+              <a:t>hidden_size</a:t>
+            </a:r>
+            <a:r>
+              <a:rPr lang="zh-CN" altLang="en-US" dirty="0"/>
+              <a:t>宽的词向量（</a:t>
+            </a:r>
+            <a:r>
+              <a:rPr lang="en-US" altLang="zh-CN" dirty="0"/>
+              <a:t>  </a:t>
+            </a:r>
+            <a:r>
+              <a:rPr lang="en-US" altLang="zh-CN" dirty="0" err="1"/>
+              <a:t>c'est</a:t>
+            </a:r>
+            <a:r>
+              <a:rPr lang="en-US" altLang="zh-CN" dirty="0"/>
+              <a:t> </a:t>
+            </a:r>
+            <a:r>
+              <a:rPr lang="en-US" altLang="zh-CN" dirty="0" smtClean="0"/>
+              <a:t>),</a:t>
+            </a:r>
+          </a:p>
+          <a:p>
+            <a:pPr lvl="2"/>
+            <a:r>
+              <a:rPr lang="en-US" altLang="zh-CN" dirty="0"/>
+              <a:t>[,,,….. ], #</a:t>
+            </a:r>
+            <a:r>
+              <a:rPr lang="en-US" altLang="zh-CN" dirty="0" err="1"/>
+              <a:t>hidden_size</a:t>
+            </a:r>
+            <a:r>
+              <a:rPr lang="zh-CN" altLang="en-US" dirty="0"/>
+              <a:t>宽的词向量（</a:t>
+            </a:r>
+            <a:r>
+              <a:rPr lang="en-US" altLang="zh-CN" dirty="0"/>
+              <a:t> </a:t>
+            </a:r>
+            <a:r>
+              <a:rPr lang="en-US" altLang="zh-CN" dirty="0" err="1"/>
+              <a:t>chouette</a:t>
+            </a:r>
+            <a:r>
+              <a:rPr lang="en-US" altLang="zh-CN" dirty="0" smtClean="0"/>
+              <a:t>),</a:t>
+            </a:r>
+          </a:p>
+          <a:p>
+            <a:pPr lvl="2"/>
+            <a:r>
+              <a:rPr lang="en-US" altLang="zh-CN" dirty="0"/>
+              <a:t>[,,,….. ], #</a:t>
+            </a:r>
+            <a:r>
+              <a:rPr lang="en-US" altLang="zh-CN" dirty="0" err="1"/>
+              <a:t>hidden_size</a:t>
+            </a:r>
+            <a:r>
+              <a:rPr lang="zh-CN" altLang="en-US" dirty="0"/>
+              <a:t>宽的词向量（</a:t>
+            </a:r>
+            <a:r>
+              <a:rPr lang="en-US" altLang="zh-CN" dirty="0"/>
+              <a:t> !</a:t>
+            </a:r>
+            <a:r>
+              <a:rPr lang="en-US" altLang="zh-CN" dirty="0" smtClean="0"/>
+              <a:t>)</a:t>
+            </a:r>
+          </a:p>
+          <a:p>
+            <a:r>
+              <a:rPr lang="en-US" altLang="zh-CN" dirty="0" smtClean="0"/>
+              <a:t>])</a:t>
+            </a:r>
+            <a:endParaRPr lang="zh-CN" altLang="en-US" dirty="0"/>
+          </a:p>
+        </p:txBody>
+      </p:sp>
+    </p:spTree>
+    <p:extLst>
+      <p:ext uri="{BB962C8B-B14F-4D97-AF65-F5344CB8AC3E}">
+        <p14:creationId xmlns:p14="http://schemas.microsoft.com/office/powerpoint/2010/main" val="2298123313"/>
       </p:ext>
     </p:extLst>
   </p:cSld>
